--- a/게임서버텀프로젝트.pptx
+++ b/게임서버텀프로젝트.pptx
@@ -204,7 +204,7 @@
           <a:p>
             <a:fld id="{1F5E3629-CD8B-4B13-B2BB-663B933A59E6}" type="datetimeFigureOut">
               <a:rPr lang="ko-KR" altLang="en-US" smtClean="0"/>
-              <a:t>2024-10-14</a:t>
+              <a:t>2024-10-28</a:t>
             </a:fld>
             <a:endParaRPr lang="ko-KR" altLang="en-US"/>
           </a:p>
@@ -1060,7 +1060,7 @@
           <a:p>
             <a:fld id="{53BEF823-48A5-43FC-BE03-E79964288B41}" type="datetimeFigureOut">
               <a:rPr lang="en-US" smtClean="0"/>
-              <a:t>10/14/2024</a:t>
+              <a:t>10/28/2024</a:t>
             </a:fld>
             <a:endParaRPr lang="en-US" dirty="0"/>
           </a:p>
@@ -1271,7 +1271,7 @@
             <a:fld id="{53BEF823-48A5-43FC-BE03-E79964288B41}" type="datetimeFigureOut">
               <a:rPr lang="en-US" smtClean="0"/>
               <a:pPr algn="r"/>
-              <a:t>10/14/2024</a:t>
+              <a:t>10/28/2024</a:t>
             </a:fld>
             <a:endParaRPr lang="en-US" dirty="0"/>
           </a:p>
@@ -1486,7 +1486,7 @@
             <a:fld id="{53BEF823-48A5-43FC-BE03-E79964288B41}" type="datetimeFigureOut">
               <a:rPr lang="en-US" smtClean="0"/>
               <a:pPr algn="r"/>
-              <a:t>10/14/2024</a:t>
+              <a:t>10/28/2024</a:t>
             </a:fld>
             <a:endParaRPr lang="en-US" dirty="0"/>
           </a:p>
@@ -1689,7 +1689,7 @@
             <a:fld id="{53BEF823-48A5-43FC-BE03-E79964288B41}" type="datetimeFigureOut">
               <a:rPr lang="en-US" smtClean="0"/>
               <a:pPr algn="r"/>
-              <a:t>10/14/2024</a:t>
+              <a:t>10/28/2024</a:t>
             </a:fld>
             <a:endParaRPr lang="en-US" dirty="0"/>
           </a:p>
@@ -1973,7 +1973,7 @@
             <a:fld id="{53BEF823-48A5-43FC-BE03-E79964288B41}" type="datetimeFigureOut">
               <a:rPr lang="en-US" smtClean="0"/>
               <a:pPr algn="r"/>
-              <a:t>10/14/2024</a:t>
+              <a:t>10/28/2024</a:t>
             </a:fld>
             <a:endParaRPr lang="en-US" dirty="0"/>
           </a:p>
@@ -2217,7 +2217,7 @@
             <a:fld id="{53BEF823-48A5-43FC-BE03-E79964288B41}" type="datetimeFigureOut">
               <a:rPr lang="en-US" smtClean="0"/>
               <a:pPr algn="r"/>
-              <a:t>10/14/2024</a:t>
+              <a:t>10/28/2024</a:t>
             </a:fld>
             <a:endParaRPr lang="en-US" dirty="0"/>
           </a:p>
@@ -2660,7 +2660,7 @@
             <a:fld id="{53BEF823-48A5-43FC-BE03-E79964288B41}" type="datetimeFigureOut">
               <a:rPr lang="en-US" smtClean="0"/>
               <a:pPr algn="r"/>
-              <a:t>10/14/2024</a:t>
+              <a:t>10/28/2024</a:t>
             </a:fld>
             <a:endParaRPr lang="en-US" dirty="0"/>
           </a:p>
@@ -2806,7 +2806,7 @@
             <a:fld id="{53BEF823-48A5-43FC-BE03-E79964288B41}" type="datetimeFigureOut">
               <a:rPr lang="en-US" smtClean="0"/>
               <a:pPr algn="r"/>
-              <a:t>10/14/2024</a:t>
+              <a:t>10/28/2024</a:t>
             </a:fld>
             <a:endParaRPr lang="en-US" dirty="0"/>
           </a:p>
@@ -2924,7 +2924,7 @@
             <a:fld id="{53BEF823-48A5-43FC-BE03-E79964288B41}" type="datetimeFigureOut">
               <a:rPr lang="en-US" smtClean="0"/>
               <a:pPr algn="r"/>
-              <a:t>10/14/2024</a:t>
+              <a:t>10/28/2024</a:t>
             </a:fld>
             <a:endParaRPr lang="en-US" dirty="0"/>
           </a:p>
@@ -3208,7 +3208,7 @@
             <a:fld id="{53BEF823-48A5-43FC-BE03-E79964288B41}" type="datetimeFigureOut">
               <a:rPr lang="en-US" smtClean="0"/>
               <a:pPr algn="r"/>
-              <a:t>10/14/2024</a:t>
+              <a:t>10/28/2024</a:t>
             </a:fld>
             <a:endParaRPr lang="en-US" dirty="0"/>
           </a:p>
@@ -3503,7 +3503,7 @@
             <a:fld id="{53BEF823-48A5-43FC-BE03-E79964288B41}" type="datetimeFigureOut">
               <a:rPr lang="en-US" smtClean="0"/>
               <a:pPr algn="r"/>
-              <a:t>10/14/2024</a:t>
+              <a:t>10/28/2024</a:t>
             </a:fld>
             <a:endParaRPr lang="en-US" dirty="0"/>
           </a:p>
@@ -3994,7 +3994,7 @@
             <a:fld id="{53BEF823-48A5-43FC-BE03-E79964288B41}" type="datetimeFigureOut">
               <a:rPr lang="en-US" smtClean="0"/>
               <a:pPr algn="r"/>
-              <a:t>10/14/2024</a:t>
+              <a:t>10/28/2024</a:t>
             </a:fld>
             <a:endParaRPr lang="en-US" dirty="0"/>
           </a:p>
@@ -5858,10 +5858,10 @@
       </p:sp>
       <p:pic>
         <p:nvPicPr>
-          <p:cNvPr id="5" name="그림 4" descr="텍스트, 스크린샷, 소프트웨어, 멀티미디어 소프트웨어이(가) 표시된 사진">
-            <a:extLst>
-              <a:ext uri="{FF2B5EF4-FFF2-40B4-BE49-F238E27FC236}">
-                <a16:creationId xmlns:a16="http://schemas.microsoft.com/office/drawing/2014/main" id="{195AFDCF-FA74-27D1-D8CA-5D4377EC3C30}"/>
+          <p:cNvPr id="4" name="그림 3" descr="텍스트, 스크린샷, 멀티미디어 소프트웨어, 그래픽 소프트웨어이(가) 표시된 사진">
+            <a:extLst>
+              <a:ext uri="{FF2B5EF4-FFF2-40B4-BE49-F238E27FC236}">
+                <a16:creationId xmlns:a16="http://schemas.microsoft.com/office/drawing/2014/main" id="{812A2830-9AE7-E5EC-0822-4A23EB930B46}"/>
               </a:ext>
             </a:extLst>
           </p:cNvPr>
@@ -5884,8 +5884,8 @@
         </p:blipFill>
         <p:spPr>
           <a:xfrm>
-            <a:off x="3456692" y="1838337"/>
-            <a:ext cx="5278615" cy="4754967"/>
+            <a:off x="1827564" y="1887126"/>
+            <a:ext cx="8536872" cy="4543171"/>
           </a:xfrm>
           <a:prstGeom prst="rect">
             <a:avLst/>
@@ -6531,15 +6531,6 @@
 </file>
 
 <file path=customXml/item1.xml><?xml version="1.0" encoding="utf-8"?>
-<?mso-contentType ?>
-<FormTemplates xmlns="http://schemas.microsoft.com/sharepoint/v3/contenttype/forms">
-  <Display>DocumentLibraryForm</Display>
-  <Edit>DocumentLibraryForm</Edit>
-  <New>DocumentLibraryForm</New>
-</FormTemplates>
-</file>
-
-<file path=customXml/item2.xml><?xml version="1.0" encoding="utf-8"?>
 <ct:contentTypeSchema xmlns:ct="http://schemas.microsoft.com/office/2006/metadata/contentType" xmlns:ma="http://schemas.microsoft.com/office/2006/metadata/properties/metaAttributes" ct:_="" ma:_="" ma:contentTypeName="문서" ma:contentTypeID="0x010100FBEE5CB2B9DFE14CB8AEAC5F8802D507" ma:contentTypeVersion="5" ma:contentTypeDescription="새 문서를 만듭니다." ma:contentTypeScope="" ma:versionID="8dbd34b08822635fa2d17a4c351afb56">
   <xsd:schema xmlns:xsd="http://www.w3.org/2001/XMLSchema" xmlns:xs="http://www.w3.org/2001/XMLSchema" xmlns:p="http://schemas.microsoft.com/office/2006/metadata/properties" xmlns:ns3="0bb21b6b-3fa6-4b5f-844b-c2abf1b335e7" targetNamespace="http://schemas.microsoft.com/office/2006/metadata/properties" ma:root="true" ma:fieldsID="19cd0c5dc77cfeda6098bf8dcbe763e9" ns3:_="">
     <xsd:import namespace="0bb21b6b-3fa6-4b5f-844b-c2abf1b335e7"/>
@@ -6689,6 +6680,15 @@
 </ct:contentTypeSchema>
 </file>
 
+<file path=customXml/item2.xml><?xml version="1.0" encoding="utf-8"?>
+<?mso-contentType ?>
+<FormTemplates xmlns="http://schemas.microsoft.com/sharepoint/v3/contenttype/forms">
+  <Display>DocumentLibraryForm</Display>
+  <Edit>DocumentLibraryForm</Edit>
+  <New>DocumentLibraryForm</New>
+</FormTemplates>
+</file>
+
 <file path=customXml/item3.xml><?xml version="1.0" encoding="utf-8"?>
 <p:properties xmlns:p="http://schemas.microsoft.com/office/2006/metadata/properties" xmlns:xsi="http://www.w3.org/2001/XMLSchema-instance" xmlns:pc="http://schemas.microsoft.com/office/infopath/2007/PartnerControls">
   <documentManagement/>
@@ -6696,14 +6696,6 @@
 </file>
 
 <file path=customXml/itemProps1.xml><?xml version="1.0" encoding="utf-8"?>
-<ds:datastoreItem xmlns:ds="http://schemas.openxmlformats.org/officeDocument/2006/customXml" ds:itemID="{08A8C3CD-4F21-44A2-B1C3-DC7D2763C844}">
-  <ds:schemaRefs>
-    <ds:schemaRef ds:uri="http://schemas.microsoft.com/sharepoint/v3/contenttype/forms"/>
-  </ds:schemaRefs>
-</ds:datastoreItem>
-</file>
-
-<file path=customXml/itemProps2.xml><?xml version="1.0" encoding="utf-8"?>
 <ds:datastoreItem xmlns:ds="http://schemas.openxmlformats.org/officeDocument/2006/customXml" ds:itemID="{EB855434-36C3-4CB9-915E-4AA099B4B287}">
   <ds:schemaRefs>
     <ds:schemaRef ds:uri="http://schemas.microsoft.com/office/2006/metadata/contentType"/>
@@ -6717,6 +6709,14 @@
     <ds:schemaRef ds:uri="http://purl.org/dc/elements/1.1/"/>
     <ds:schemaRef ds:uri="http://purl.org/dc/terms/"/>
     <ds:schemaRef ds:uri="http://schemas.microsoft.com/internal/obd"/>
+  </ds:schemaRefs>
+</ds:datastoreItem>
+</file>
+
+<file path=customXml/itemProps2.xml><?xml version="1.0" encoding="utf-8"?>
+<ds:datastoreItem xmlns:ds="http://schemas.openxmlformats.org/officeDocument/2006/customXml" ds:itemID="{08A8C3CD-4F21-44A2-B1C3-DC7D2763C844}">
+  <ds:schemaRefs>
+    <ds:schemaRef ds:uri="http://schemas.microsoft.com/sharepoint/v3/contenttype/forms"/>
   </ds:schemaRefs>
 </ds:datastoreItem>
 </file>

--- a/게임서버텀프로젝트.pptx
+++ b/게임서버텀프로젝트.pptx
@@ -5,7 +5,7 @@
     <p:sldMasterId id="2147483673" r:id="rId4"/>
   </p:sldMasterIdLst>
   <p:notesMasterIdLst>
-    <p:notesMasterId r:id="rId13"/>
+    <p:notesMasterId r:id="rId15"/>
   </p:notesMasterIdLst>
   <p:sldIdLst>
     <p:sldId id="256" r:id="rId5"/>
@@ -14,8 +14,10 @@
     <p:sldId id="260" r:id="rId8"/>
     <p:sldId id="261" r:id="rId9"/>
     <p:sldId id="262" r:id="rId10"/>
-    <p:sldId id="263" r:id="rId11"/>
-    <p:sldId id="264" r:id="rId12"/>
+    <p:sldId id="265" r:id="rId11"/>
+    <p:sldId id="266" r:id="rId12"/>
+    <p:sldId id="263" r:id="rId13"/>
+    <p:sldId id="264" r:id="rId14"/>
   </p:sldIdLst>
   <p:sldSz cx="12192000" cy="6858000"/>
   <p:notesSz cx="6858000" cy="9144000"/>
@@ -536,7 +538,7 @@
           <a:p>
             <a:fld id="{848B3A6F-3133-4BF3-86BF-2F02FD0430BA}" type="slidenum">
               <a:rPr lang="ko-KR" altLang="en-US" smtClean="0"/>
-              <a:t>7</a:t>
+              <a:t>9</a:t>
             </a:fld>
             <a:endParaRPr lang="ko-KR" altLang="en-US"/>
           </a:p>
@@ -620,7 +622,7 @@
           <a:p>
             <a:fld id="{848B3A6F-3133-4BF3-86BF-2F02FD0430BA}" type="slidenum">
               <a:rPr lang="ko-KR" altLang="en-US" smtClean="0"/>
-              <a:t>8</a:t>
+              <a:t>10</a:t>
             </a:fld>
             <a:endParaRPr lang="ko-KR" altLang="en-US"/>
           </a:p>
@@ -5048,6 +5050,115 @@
 </p:sld>
 </file>
 
+<file path=ppt/slides/slide10.xml><?xml version="1.0" encoding="utf-8"?>
+<p:sld xmlns:a="http://schemas.openxmlformats.org/drawingml/2006/main" xmlns:r="http://schemas.openxmlformats.org/officeDocument/2006/relationships" xmlns:p="http://schemas.openxmlformats.org/presentationml/2006/main">
+  <p:cSld>
+    <p:spTree>
+      <p:nvGrpSpPr>
+        <p:cNvPr id="1" name=""/>
+        <p:cNvGrpSpPr/>
+        <p:nvPr/>
+      </p:nvGrpSpPr>
+      <p:grpSpPr>
+        <a:xfrm>
+          <a:off x="0" y="0"/>
+          <a:ext cx="0" cy="0"/>
+          <a:chOff x="0" y="0"/>
+          <a:chExt cx="0" cy="0"/>
+        </a:xfrm>
+      </p:grpSpPr>
+      <p:sp>
+        <p:nvSpPr>
+          <p:cNvPr id="2" name="제목 1">
+            <a:extLst>
+              <a:ext uri="{FF2B5EF4-FFF2-40B4-BE49-F238E27FC236}">
+                <a16:creationId xmlns:a16="http://schemas.microsoft.com/office/drawing/2014/main" id="{807F2702-565B-E6DD-0A81-8E4AEC53646C}"/>
+              </a:ext>
+            </a:extLst>
+          </p:cNvPr>
+          <p:cNvSpPr>
+            <a:spLocks noGrp="1"/>
+          </p:cNvSpPr>
+          <p:nvPr>
+            <p:ph type="ctrTitle"/>
+          </p:nvPr>
+        </p:nvSpPr>
+        <p:spPr>
+          <a:xfrm>
+            <a:off x="1078991" y="1142999"/>
+            <a:ext cx="10583619" cy="5450305"/>
+          </a:xfrm>
+        </p:spPr>
+        <p:txBody>
+          <a:bodyPr>
+            <a:normAutofit fontScale="90000"/>
+          </a:bodyPr>
+          <a:lstStyle/>
+          <a:p>
+            <a:pPr algn="ctr"/>
+            <a:br>
+              <a:rPr lang="en-US" altLang="ko-KR" sz="3600" dirty="0"/>
+            </a:br>
+            <a:br>
+              <a:rPr lang="en-US" altLang="ko-KR" sz="3600" dirty="0"/>
+            </a:br>
+            <a:br>
+              <a:rPr lang="en-US" altLang="ko-KR" sz="3600" dirty="0"/>
+            </a:br>
+            <a:br>
+              <a:rPr lang="en-US" altLang="ko-KR" sz="3600" dirty="0"/>
+            </a:br>
+            <a:r>
+              <a:rPr lang="en-US" altLang="ko-KR" sz="4400" dirty="0"/>
+              <a:t>Thank</a:t>
+            </a:r>
+            <a:r>
+              <a:rPr lang="ko-KR" altLang="en-US" sz="4400" dirty="0"/>
+              <a:t> </a:t>
+            </a:r>
+            <a:r>
+              <a:rPr lang="en-US" altLang="ko-KR" sz="4400" dirty="0"/>
+              <a:t>you</a:t>
+            </a:r>
+            <a:br>
+              <a:rPr lang="en-US" altLang="ko-KR" sz="4400" dirty="0"/>
+            </a:br>
+            <a:br>
+              <a:rPr lang="en-US" altLang="ko-KR" sz="3600" dirty="0"/>
+            </a:br>
+            <a:br>
+              <a:rPr lang="en-US" altLang="ko-KR" sz="3600" dirty="0"/>
+            </a:br>
+            <a:br>
+              <a:rPr lang="en-US" altLang="ko-KR" sz="3600" dirty="0"/>
+            </a:br>
+            <a:br>
+              <a:rPr lang="en-US" altLang="ko-KR" sz="3600" dirty="0"/>
+            </a:br>
+            <a:br>
+              <a:rPr lang="en-US" altLang="ko-KR" sz="3600" dirty="0"/>
+            </a:br>
+            <a:r>
+              <a:rPr lang="en-US" altLang="ko-KR" sz="3200" dirty="0"/>
+              <a:t> </a:t>
+            </a:r>
+            <a:endParaRPr lang="ko-KR" altLang="en-US" sz="3200" dirty="0"/>
+          </a:p>
+        </p:txBody>
+      </p:sp>
+    </p:spTree>
+    <p:extLst>
+      <p:ext uri="{BB962C8B-B14F-4D97-AF65-F5344CB8AC3E}">
+        <p14:creationId xmlns:p14="http://schemas.microsoft.com/office/powerpoint/2010/main" val="2665879358"/>
+      </p:ext>
+    </p:extLst>
+  </p:cSld>
+  <p:clrMapOvr>
+    <a:masterClrMapping/>
+  </p:clrMapOvr>
+</p:sld>
+</file>
+
 <file path=ppt/slides/slide2.xml><?xml version="1.0" encoding="utf-8"?>
 <p:sld xmlns:a="http://schemas.openxmlformats.org/drawingml/2006/main" xmlns:r="http://schemas.openxmlformats.org/officeDocument/2006/relationships" xmlns:p="http://schemas.openxmlformats.org/presentationml/2006/main">
   <p:cSld>
@@ -5093,9 +5204,6 @@
               <a:t>목차</a:t>
             </a:r>
             <a:br>
-              <a:rPr lang="en-US" altLang="ko-KR" sz="3600" dirty="0"/>
-            </a:br>
-            <a:br>
               <a:rPr lang="en-US" altLang="ko-KR" dirty="0"/>
             </a:br>
             <a:r>
@@ -5142,7 +5250,21 @@
             </a:br>
             <a:r>
               <a:rPr lang="en-US" altLang="ko-KR" sz="3600" dirty="0"/>
-              <a:t>4. STRESS_TEST </a:t>
+              <a:t>4. </a:t>
+            </a:r>
+            <a:r>
+              <a:rPr lang="ko-KR" altLang="en-US" sz="3600" dirty="0"/>
+              <a:t>개선 내용</a:t>
+            </a:r>
+            <a:br>
+              <a:rPr lang="en-US" altLang="ko-KR" sz="3600" dirty="0"/>
+            </a:br>
+            <a:br>
+              <a:rPr lang="en-US" altLang="ko-KR" sz="3600" dirty="0"/>
+            </a:br>
+            <a:r>
+              <a:rPr lang="en-US" altLang="ko-KR" sz="3600" dirty="0"/>
+              <a:t>5. STRESS_TEST </a:t>
             </a:r>
             <a:r>
               <a:rPr lang="ko-KR" altLang="en-US" sz="3600" dirty="0"/>
@@ -5535,6 +5657,22 @@
             <a:r>
               <a:rPr lang="ko-KR" altLang="en-US" sz="3600" dirty="0"/>
               <a:t>위치 동기화</a:t>
+            </a:r>
+            <a:r>
+              <a:rPr lang="en-US" altLang="ko-KR" sz="3600" dirty="0"/>
+              <a:t>,</a:t>
+            </a:r>
+            <a:r>
+              <a:rPr lang="ko-KR" altLang="en-US" sz="3600" dirty="0"/>
+              <a:t>체력회복</a:t>
+            </a:r>
+            <a:r>
+              <a:rPr lang="en-US" altLang="ko-KR" sz="3600" dirty="0"/>
+              <a:t>,</a:t>
+            </a:r>
+            <a:r>
+              <a:rPr lang="ko-KR" altLang="en-US" sz="3600" dirty="0"/>
+              <a:t>공격</a:t>
             </a:r>
             <a:br>
               <a:rPr lang="en-US" altLang="ko-KR" sz="3600" dirty="0"/>
@@ -5782,7 +5920,13 @@
   <p:cSld>
     <p:spTree>
       <p:nvGrpSpPr>
-        <p:cNvPr id="1" name=""/>
+        <p:cNvPr id="1" name="">
+          <a:extLst>
+            <a:ext uri="{FF2B5EF4-FFF2-40B4-BE49-F238E27FC236}">
+              <a16:creationId xmlns:a16="http://schemas.microsoft.com/office/drawing/2014/main" id="{8C811EB2-8C90-13DB-B922-E7474F7334E5}"/>
+            </a:ext>
+          </a:extLst>
+        </p:cNvPr>
         <p:cNvGrpSpPr/>
         <p:nvPr/>
       </p:nvGrpSpPr>
@@ -5799,7 +5943,7 @@
           <p:cNvPr id="2" name="제목 1">
             <a:extLst>
               <a:ext uri="{FF2B5EF4-FFF2-40B4-BE49-F238E27FC236}">
-                <a16:creationId xmlns:a16="http://schemas.microsoft.com/office/drawing/2014/main" id="{807F2702-565B-E6DD-0A81-8E4AEC53646C}"/>
+                <a16:creationId xmlns:a16="http://schemas.microsoft.com/office/drawing/2014/main" id="{5A351A3C-6156-1858-8F47-32545918B450}"/>
               </a:ext>
             </a:extLst>
           </p:cNvPr>
@@ -5824,11 +5968,11 @@
           <a:p>
             <a:r>
               <a:rPr lang="en-US" altLang="ko-KR" sz="3600" dirty="0"/>
-              <a:t>4. STRESS_TEST </a:t>
+              <a:t>4. </a:t>
             </a:r>
             <a:r>
               <a:rPr lang="ko-KR" altLang="en-US" sz="3600" dirty="0"/>
-              <a:t>결과</a:t>
+              <a:t>개선 내용</a:t>
             </a:r>
             <a:br>
               <a:rPr lang="en-US" altLang="ko-KR" sz="3600" dirty="0"/>
@@ -5858,10 +6002,10 @@
       </p:sp>
       <p:pic>
         <p:nvPicPr>
-          <p:cNvPr id="4" name="그림 3" descr="텍스트, 스크린샷, 멀티미디어 소프트웨어, 그래픽 소프트웨어이(가) 표시된 사진">
-            <a:extLst>
-              <a:ext uri="{FF2B5EF4-FFF2-40B4-BE49-F238E27FC236}">
-                <a16:creationId xmlns:a16="http://schemas.microsoft.com/office/drawing/2014/main" id="{812A2830-9AE7-E5EC-0822-4A23EB930B46}"/>
+          <p:cNvPr id="5" name="그림 4">
+            <a:extLst>
+              <a:ext uri="{FF2B5EF4-FFF2-40B4-BE49-F238E27FC236}">
+                <a16:creationId xmlns:a16="http://schemas.microsoft.com/office/drawing/2014/main" id="{AFAEA768-0A88-5D73-E3A7-FA01BF9ABA51}"/>
               </a:ext>
             </a:extLst>
           </p:cNvPr>
@@ -5871,31 +6015,142 @@
           <p:nvPr/>
         </p:nvPicPr>
         <p:blipFill>
-          <a:blip r:embed="rId3">
-            <a:extLst>
-              <a:ext uri="{28A0092B-C50C-407E-A947-70E740481C1C}">
-                <a14:useLocalDpi xmlns:a14="http://schemas.microsoft.com/office/drawing/2010/main" val="0"/>
-              </a:ext>
-            </a:extLst>
-          </a:blip>
+          <a:blip r:embed="rId2"/>
           <a:stretch>
             <a:fillRect/>
           </a:stretch>
         </p:blipFill>
         <p:spPr>
           <a:xfrm>
-            <a:off x="1827564" y="1887126"/>
-            <a:ext cx="8536872" cy="4543171"/>
+            <a:off x="1078992" y="2083048"/>
+            <a:ext cx="3662234" cy="3364023"/>
           </a:xfrm>
           <a:prstGeom prst="rect">
             <a:avLst/>
           </a:prstGeom>
         </p:spPr>
       </p:pic>
+      <p:pic>
+        <p:nvPicPr>
+          <p:cNvPr id="8" name="그림 7">
+            <a:extLst>
+              <a:ext uri="{FF2B5EF4-FFF2-40B4-BE49-F238E27FC236}">
+                <a16:creationId xmlns:a16="http://schemas.microsoft.com/office/drawing/2014/main" id="{E7893245-75B6-CF80-101C-FFEF64E86F94}"/>
+              </a:ext>
+            </a:extLst>
+          </p:cNvPr>
+          <p:cNvPicPr>
+            <a:picLocks noChangeAspect="1"/>
+          </p:cNvPicPr>
+          <p:nvPr/>
+        </p:nvPicPr>
+        <p:blipFill>
+          <a:blip r:embed="rId3"/>
+          <a:stretch>
+            <a:fillRect/>
+          </a:stretch>
+        </p:blipFill>
+        <p:spPr>
+          <a:xfrm>
+            <a:off x="7068890" y="1388111"/>
+            <a:ext cx="4443615" cy="4081778"/>
+          </a:xfrm>
+          <a:prstGeom prst="rect">
+            <a:avLst/>
+          </a:prstGeom>
+        </p:spPr>
+      </p:pic>
+      <p:sp>
+        <p:nvSpPr>
+          <p:cNvPr id="9" name="TextBox 8">
+            <a:extLst>
+              <a:ext uri="{FF2B5EF4-FFF2-40B4-BE49-F238E27FC236}">
+                <a16:creationId xmlns:a16="http://schemas.microsoft.com/office/drawing/2014/main" id="{EDE1F484-693E-00BB-346C-E8A70831DB6C}"/>
+              </a:ext>
+            </a:extLst>
+          </p:cNvPr>
+          <p:cNvSpPr txBox="1"/>
+          <p:nvPr/>
+        </p:nvSpPr>
+        <p:spPr>
+          <a:xfrm>
+            <a:off x="1238865" y="5702710"/>
+            <a:ext cx="10273640" cy="646331"/>
+          </a:xfrm>
+          <a:prstGeom prst="rect">
+            <a:avLst/>
+          </a:prstGeom>
+          <a:noFill/>
+        </p:spPr>
+        <p:txBody>
+          <a:bodyPr wrap="square" rtlCol="0">
+            <a:spAutoFit/>
+          </a:bodyPr>
+          <a:lstStyle/>
+          <a:p>
+            <a:r>
+              <a:rPr lang="ko-KR" altLang="en-US" dirty="0"/>
+              <a:t>이전 코드는 </a:t>
+            </a:r>
+            <a:r>
+              <a:rPr lang="ko-KR" altLang="en-US" dirty="0" err="1"/>
+              <a:t>병렬성</a:t>
+            </a:r>
+            <a:r>
+              <a:rPr lang="ko-KR" altLang="en-US" dirty="0"/>
+              <a:t> </a:t>
+            </a:r>
+            <a:r>
+              <a:rPr lang="en-US" altLang="ko-KR" dirty="0"/>
+              <a:t>x -&gt; </a:t>
+            </a:r>
+            <a:r>
+              <a:rPr lang="ko-KR" altLang="en-US" dirty="0"/>
+              <a:t>병렬성을 위해 </a:t>
+            </a:r>
+            <a:r>
+              <a:rPr lang="en-US" altLang="ko-KR" dirty="0"/>
+              <a:t>sector</a:t>
+            </a:r>
+            <a:r>
+              <a:rPr lang="ko-KR" altLang="en-US" dirty="0"/>
+              <a:t>클래스 내부에 섹터별 </a:t>
+            </a:r>
+            <a:r>
+              <a:rPr lang="en-US" altLang="ko-KR" dirty="0"/>
+              <a:t>lock</a:t>
+            </a:r>
+            <a:r>
+              <a:rPr lang="ko-KR" altLang="en-US" dirty="0"/>
+              <a:t>을 추가하여 </a:t>
+            </a:r>
+            <a:r>
+              <a:rPr lang="ko-KR" altLang="en-US" dirty="0" err="1"/>
+              <a:t>병렬성</a:t>
+            </a:r>
+            <a:r>
+              <a:rPr lang="ko-KR" altLang="en-US" dirty="0"/>
+              <a:t> 향상</a:t>
+            </a:r>
+            <a:endParaRPr lang="en-US" altLang="ko-KR" dirty="0"/>
+          </a:p>
+          <a:p>
+            <a:r>
+              <a:rPr lang="ko-KR" altLang="en-US" dirty="0"/>
+              <a:t>섹터를 참조로 받지 않고 복사를 통해 섹터를 읽는 도중에 값이 삭제되어도 프로그램이 </a:t>
+            </a:r>
+            <a:r>
+              <a:rPr lang="ko-KR" altLang="en-US" dirty="0" err="1"/>
+              <a:t>안죽음</a:t>
+            </a:r>
+            <a:endParaRPr lang="ko-KR" altLang="en-US" dirty="0"/>
+          </a:p>
+        </p:txBody>
+      </p:sp>
     </p:spTree>
     <p:extLst>
       <p:ext uri="{BB962C8B-B14F-4D97-AF65-F5344CB8AC3E}">
-        <p14:creationId xmlns:p14="http://schemas.microsoft.com/office/powerpoint/2010/main" val="1077436605"/>
+        <p14:creationId xmlns:p14="http://schemas.microsoft.com/office/powerpoint/2010/main" val="553802661"/>
       </p:ext>
     </p:extLst>
   </p:cSld>
@@ -5906,6 +6161,265 @@
 </file>
 
 <file path=ppt/slides/slide8.xml><?xml version="1.0" encoding="utf-8"?>
+<p:sld xmlns:a="http://schemas.openxmlformats.org/drawingml/2006/main" xmlns:r="http://schemas.openxmlformats.org/officeDocument/2006/relationships" xmlns:p="http://schemas.openxmlformats.org/presentationml/2006/main">
+  <p:cSld>
+    <p:spTree>
+      <p:nvGrpSpPr>
+        <p:cNvPr id="1" name="">
+          <a:extLst>
+            <a:ext uri="{FF2B5EF4-FFF2-40B4-BE49-F238E27FC236}">
+              <a16:creationId xmlns:a16="http://schemas.microsoft.com/office/drawing/2014/main" id="{D3783494-1932-3031-044D-D8AB92934011}"/>
+            </a:ext>
+          </a:extLst>
+        </p:cNvPr>
+        <p:cNvGrpSpPr/>
+        <p:nvPr/>
+      </p:nvGrpSpPr>
+      <p:grpSpPr>
+        <a:xfrm>
+          <a:off x="0" y="0"/>
+          <a:ext cx="0" cy="0"/>
+          <a:chOff x="0" y="0"/>
+          <a:chExt cx="0" cy="0"/>
+        </a:xfrm>
+      </p:grpSpPr>
+      <p:sp>
+        <p:nvSpPr>
+          <p:cNvPr id="2" name="제목 1">
+            <a:extLst>
+              <a:ext uri="{FF2B5EF4-FFF2-40B4-BE49-F238E27FC236}">
+                <a16:creationId xmlns:a16="http://schemas.microsoft.com/office/drawing/2014/main" id="{BC529805-145A-FE3A-DD33-4BE60DC4F172}"/>
+              </a:ext>
+            </a:extLst>
+          </p:cNvPr>
+          <p:cNvSpPr>
+            <a:spLocks noGrp="1"/>
+          </p:cNvSpPr>
+          <p:nvPr>
+            <p:ph type="ctrTitle"/>
+          </p:nvPr>
+        </p:nvSpPr>
+        <p:spPr>
+          <a:xfrm>
+            <a:off x="1078991" y="1142999"/>
+            <a:ext cx="10583619" cy="5450305"/>
+          </a:xfrm>
+        </p:spPr>
+        <p:txBody>
+          <a:bodyPr>
+            <a:normAutofit/>
+          </a:bodyPr>
+          <a:lstStyle/>
+          <a:p>
+            <a:r>
+              <a:rPr lang="en-US" altLang="ko-KR" sz="3600" dirty="0"/>
+              <a:t>4. </a:t>
+            </a:r>
+            <a:r>
+              <a:rPr lang="ko-KR" altLang="en-US" sz="3600" dirty="0"/>
+              <a:t>개선 내용</a:t>
+            </a:r>
+            <a:br>
+              <a:rPr lang="en-US" altLang="ko-KR" sz="3600" dirty="0"/>
+            </a:br>
+            <a:br>
+              <a:rPr lang="en-US" altLang="ko-KR" sz="3600" dirty="0"/>
+            </a:br>
+            <a:br>
+              <a:rPr lang="en-US" altLang="ko-KR" sz="3600" dirty="0"/>
+            </a:br>
+            <a:br>
+              <a:rPr lang="en-US" altLang="ko-KR" sz="3600" dirty="0"/>
+            </a:br>
+            <a:br>
+              <a:rPr lang="en-US" altLang="ko-KR" sz="3600" dirty="0"/>
+            </a:br>
+            <a:br>
+              <a:rPr lang="en-US" altLang="ko-KR" sz="3600" dirty="0"/>
+            </a:br>
+            <a:r>
+              <a:rPr lang="en-US" altLang="ko-KR" sz="3200" dirty="0"/>
+              <a:t> </a:t>
+            </a:r>
+            <a:endParaRPr lang="ko-KR" altLang="en-US" sz="3200" dirty="0"/>
+          </a:p>
+        </p:txBody>
+      </p:sp>
+      <p:pic>
+        <p:nvPicPr>
+          <p:cNvPr id="4" name="그림 3">
+            <a:extLst>
+              <a:ext uri="{FF2B5EF4-FFF2-40B4-BE49-F238E27FC236}">
+                <a16:creationId xmlns:a16="http://schemas.microsoft.com/office/drawing/2014/main" id="{442CC64D-00D7-9D6C-900C-60D68438CAB7}"/>
+              </a:ext>
+            </a:extLst>
+          </p:cNvPr>
+          <p:cNvPicPr>
+            <a:picLocks noChangeAspect="1"/>
+          </p:cNvPicPr>
+          <p:nvPr/>
+        </p:nvPicPr>
+        <p:blipFill>
+          <a:blip r:embed="rId2"/>
+          <a:stretch>
+            <a:fillRect/>
+          </a:stretch>
+        </p:blipFill>
+        <p:spPr>
+          <a:xfrm>
+            <a:off x="1078991" y="1854364"/>
+            <a:ext cx="5524979" cy="2263336"/>
+          </a:xfrm>
+          <a:prstGeom prst="rect">
+            <a:avLst/>
+          </a:prstGeom>
+        </p:spPr>
+      </p:pic>
+      <p:pic>
+        <p:nvPicPr>
+          <p:cNvPr id="7" name="그림 6">
+            <a:extLst>
+              <a:ext uri="{FF2B5EF4-FFF2-40B4-BE49-F238E27FC236}">
+                <a16:creationId xmlns:a16="http://schemas.microsoft.com/office/drawing/2014/main" id="{80E2AF4F-D4CB-2F47-D4A4-E13C759CD983}"/>
+              </a:ext>
+            </a:extLst>
+          </p:cNvPr>
+          <p:cNvPicPr>
+            <a:picLocks noChangeAspect="1"/>
+          </p:cNvPicPr>
+          <p:nvPr/>
+        </p:nvPicPr>
+        <p:blipFill>
+          <a:blip r:embed="rId3"/>
+          <a:stretch>
+            <a:fillRect/>
+          </a:stretch>
+        </p:blipFill>
+        <p:spPr>
+          <a:xfrm>
+            <a:off x="1078991" y="4117700"/>
+            <a:ext cx="5540220" cy="2766300"/>
+          </a:xfrm>
+          <a:prstGeom prst="rect">
+            <a:avLst/>
+          </a:prstGeom>
+        </p:spPr>
+      </p:pic>
+      <p:sp>
+        <p:nvSpPr>
+          <p:cNvPr id="10" name="TextBox 9">
+            <a:extLst>
+              <a:ext uri="{FF2B5EF4-FFF2-40B4-BE49-F238E27FC236}">
+                <a16:creationId xmlns:a16="http://schemas.microsoft.com/office/drawing/2014/main" id="{9CDEE8B2-B1E6-9107-4983-62B35B9BBD4C}"/>
+              </a:ext>
+            </a:extLst>
+          </p:cNvPr>
+          <p:cNvSpPr txBox="1"/>
+          <p:nvPr/>
+        </p:nvSpPr>
+        <p:spPr>
+          <a:xfrm>
+            <a:off x="7492181" y="1854364"/>
+            <a:ext cx="4170429" cy="2308324"/>
+          </a:xfrm>
+          <a:prstGeom prst="rect">
+            <a:avLst/>
+          </a:prstGeom>
+          <a:noFill/>
+        </p:spPr>
+        <p:txBody>
+          <a:bodyPr wrap="square" rtlCol="0">
+            <a:spAutoFit/>
+          </a:bodyPr>
+          <a:lstStyle/>
+          <a:p>
+            <a:r>
+              <a:rPr lang="ko-KR" altLang="en-US" dirty="0"/>
+              <a:t>이부분은 모두 </a:t>
+            </a:r>
+            <a:r>
+              <a:rPr lang="en-US" altLang="ko-KR" dirty="0" err="1"/>
+              <a:t>GetQueuedCompletionStatus</a:t>
+            </a:r>
+            <a:r>
+              <a:rPr lang="ko-KR" altLang="en-US" dirty="0"/>
+              <a:t>함수를 통해 실행되는 코드들인데</a:t>
+            </a:r>
+            <a:r>
+              <a:rPr lang="en-US" altLang="ko-KR" dirty="0"/>
+              <a:t>, GQCS</a:t>
+            </a:r>
+            <a:r>
+              <a:rPr lang="ko-KR" altLang="en-US" dirty="0"/>
+              <a:t> 결과물은 하나의 스레드들만 접근이 가능함</a:t>
+            </a:r>
+            <a:endParaRPr lang="en-US" altLang="ko-KR" dirty="0"/>
+          </a:p>
+          <a:p>
+            <a:endParaRPr lang="en-US" altLang="ko-KR" dirty="0"/>
+          </a:p>
+          <a:p>
+            <a:r>
+              <a:rPr lang="ko-KR" altLang="en-US" dirty="0"/>
+              <a:t>또한</a:t>
+            </a:r>
+            <a:r>
+              <a:rPr lang="en-US" altLang="ko-KR" dirty="0"/>
+              <a:t>, </a:t>
+            </a:r>
+            <a:r>
+              <a:rPr lang="en-US" altLang="ko-KR" dirty="0" err="1"/>
+              <a:t>Gclients</a:t>
+            </a:r>
+            <a:r>
+              <a:rPr lang="en-US" altLang="ko-KR" dirty="0"/>
+              <a:t>[key]</a:t>
+            </a:r>
+            <a:r>
+              <a:rPr lang="ko-KR" altLang="en-US" dirty="0"/>
+              <a:t>가 저 코드가 실행되지 않으면 다른 </a:t>
+            </a:r>
+            <a:r>
+              <a:rPr lang="ko-KR" altLang="en-US" dirty="0" err="1"/>
+              <a:t>스레드들에서</a:t>
+            </a:r>
+            <a:r>
+              <a:rPr lang="ko-KR" altLang="en-US" dirty="0"/>
+              <a:t> 건드릴 일이 </a:t>
+            </a:r>
+            <a:r>
+              <a:rPr lang="ko-KR" altLang="en-US" dirty="0" err="1"/>
+              <a:t>없기애</a:t>
+            </a:r>
+            <a:r>
+              <a:rPr lang="ko-KR" altLang="en-US" dirty="0"/>
+              <a:t> 불필요한 </a:t>
+            </a:r>
+            <a:r>
+              <a:rPr lang="en-US" altLang="ko-KR" dirty="0"/>
+              <a:t>lock</a:t>
+            </a:r>
+            <a:r>
+              <a:rPr lang="ko-KR" altLang="en-US" dirty="0"/>
+              <a:t>을 제거함</a:t>
+            </a:r>
+          </a:p>
+        </p:txBody>
+      </p:sp>
+    </p:spTree>
+    <p:extLst>
+      <p:ext uri="{BB962C8B-B14F-4D97-AF65-F5344CB8AC3E}">
+        <p14:creationId xmlns:p14="http://schemas.microsoft.com/office/powerpoint/2010/main" val="3632626830"/>
+      </p:ext>
+    </p:extLst>
+  </p:cSld>
+  <p:clrMapOvr>
+    <a:masterClrMapping/>
+  </p:clrMapOvr>
+</p:sld>
+</file>
+
+<file path=ppt/slides/slide9.xml><?xml version="1.0" encoding="utf-8"?>
 <p:sld xmlns:a="http://schemas.openxmlformats.org/drawingml/2006/main" xmlns:r="http://schemas.openxmlformats.org/officeDocument/2006/relationships" xmlns:p="http://schemas.openxmlformats.org/presentationml/2006/main">
   <p:cSld>
     <p:spTree>
@@ -5946,37 +6460,20 @@
         </p:spPr>
         <p:txBody>
           <a:bodyPr>
-            <a:normAutofit fontScale="90000"/>
+            <a:normAutofit/>
           </a:bodyPr>
           <a:lstStyle/>
           <a:p>
-            <a:pPr algn="ctr"/>
-            <a:br>
-              <a:rPr lang="en-US" altLang="ko-KR" sz="3600" dirty="0"/>
-            </a:br>
-            <a:br>
-              <a:rPr lang="en-US" altLang="ko-KR" sz="3600" dirty="0"/>
-            </a:br>
-            <a:br>
-              <a:rPr lang="en-US" altLang="ko-KR" sz="3600" dirty="0"/>
-            </a:br>
-            <a:br>
-              <a:rPr lang="en-US" altLang="ko-KR" sz="3600" dirty="0"/>
-            </a:br>
-            <a:r>
-              <a:rPr lang="en-US" altLang="ko-KR" sz="4400" dirty="0"/>
-              <a:t>Thank</a:t>
-            </a:r>
-            <a:r>
-              <a:rPr lang="ko-KR" altLang="en-US" sz="4400" dirty="0"/>
-              <a:t> </a:t>
-            </a:r>
-            <a:r>
-              <a:rPr lang="en-US" altLang="ko-KR" sz="4400" dirty="0"/>
-              <a:t>you</a:t>
-            </a:r>
-            <a:br>
-              <a:rPr lang="en-US" altLang="ko-KR" sz="4400" dirty="0"/>
+            <a:r>
+              <a:rPr lang="en-US" altLang="ko-KR" sz="3600" dirty="0"/>
+              <a:t>5. STRESS_TEST </a:t>
+            </a:r>
+            <a:r>
+              <a:rPr lang="ko-KR" altLang="en-US" sz="3600" dirty="0"/>
+              <a:t>결과</a:t>
+            </a:r>
+            <a:br>
+              <a:rPr lang="en-US" altLang="ko-KR" sz="3600" dirty="0"/>
             </a:br>
             <a:br>
               <a:rPr lang="en-US" altLang="ko-KR" sz="3600" dirty="0"/>
@@ -5998,13 +6495,139 @@
               <a:t> </a:t>
             </a:r>
             <a:endParaRPr lang="ko-KR" altLang="en-US" sz="3200" dirty="0"/>
+          </a:p>
+        </p:txBody>
+      </p:sp>
+      <p:pic>
+        <p:nvPicPr>
+          <p:cNvPr id="4" name="그림 3" descr="텍스트, 스크린샷, 멀티미디어 소프트웨어, 그래픽 소프트웨어이(가) 표시된 사진">
+            <a:extLst>
+              <a:ext uri="{FF2B5EF4-FFF2-40B4-BE49-F238E27FC236}">
+                <a16:creationId xmlns:a16="http://schemas.microsoft.com/office/drawing/2014/main" id="{812A2830-9AE7-E5EC-0822-4A23EB930B46}"/>
+              </a:ext>
+            </a:extLst>
+          </p:cNvPr>
+          <p:cNvPicPr>
+            <a:picLocks noChangeAspect="1"/>
+          </p:cNvPicPr>
+          <p:nvPr/>
+        </p:nvPicPr>
+        <p:blipFill>
+          <a:blip r:embed="rId3">
+            <a:extLst>
+              <a:ext uri="{28A0092B-C50C-407E-A947-70E740481C1C}">
+                <a14:useLocalDpi xmlns:a14="http://schemas.microsoft.com/office/drawing/2010/main" val="0"/>
+              </a:ext>
+            </a:extLst>
+          </a:blip>
+          <a:stretch>
+            <a:fillRect/>
+          </a:stretch>
+        </p:blipFill>
+        <p:spPr>
+          <a:xfrm>
+            <a:off x="4193077" y="1956701"/>
+            <a:ext cx="7682107" cy="4543171"/>
+          </a:xfrm>
+          <a:prstGeom prst="rect">
+            <a:avLst/>
+          </a:prstGeom>
+        </p:spPr>
+      </p:pic>
+      <p:pic>
+        <p:nvPicPr>
+          <p:cNvPr id="5" name="그림 4" descr="텍스트, 스크린샷, 소프트웨어, 멀티미디어 소프트웨어이(가) 표시된 사진&#10;&#10;자동 생성된 설명">
+            <a:extLst>
+              <a:ext uri="{FF2B5EF4-FFF2-40B4-BE49-F238E27FC236}">
+                <a16:creationId xmlns:a16="http://schemas.microsoft.com/office/drawing/2014/main" id="{9A0E7F85-5EDF-9624-C444-FBD6346DDF5B}"/>
+              </a:ext>
+            </a:extLst>
+          </p:cNvPr>
+          <p:cNvPicPr>
+            <a:picLocks noChangeAspect="1"/>
+          </p:cNvPicPr>
+          <p:nvPr/>
+        </p:nvPicPr>
+        <p:blipFill>
+          <a:blip r:embed="rId4">
+            <a:extLst>
+              <a:ext uri="{28A0092B-C50C-407E-A947-70E740481C1C}">
+                <a14:useLocalDpi xmlns:a14="http://schemas.microsoft.com/office/drawing/2010/main" val="0"/>
+              </a:ext>
+            </a:extLst>
+          </a:blip>
+          <a:stretch>
+            <a:fillRect/>
+          </a:stretch>
+        </p:blipFill>
+        <p:spPr>
+          <a:xfrm>
+            <a:off x="942981" y="1956701"/>
+            <a:ext cx="2881147" cy="2595332"/>
+          </a:xfrm>
+          <a:prstGeom prst="rect">
+            <a:avLst/>
+          </a:prstGeom>
+        </p:spPr>
+      </p:pic>
+      <p:sp>
+        <p:nvSpPr>
+          <p:cNvPr id="6" name="TextBox 5">
+            <a:extLst>
+              <a:ext uri="{FF2B5EF4-FFF2-40B4-BE49-F238E27FC236}">
+                <a16:creationId xmlns:a16="http://schemas.microsoft.com/office/drawing/2014/main" id="{65FC7C48-DF60-39B9-82C8-78642816BA5A}"/>
+              </a:ext>
+            </a:extLst>
+          </p:cNvPr>
+          <p:cNvSpPr txBox="1"/>
+          <p:nvPr/>
+        </p:nvSpPr>
+        <p:spPr>
+          <a:xfrm>
+            <a:off x="1195461" y="5049078"/>
+            <a:ext cx="2899461" cy="646331"/>
+          </a:xfrm>
+          <a:prstGeom prst="rect">
+            <a:avLst/>
+          </a:prstGeom>
+          <a:noFill/>
+        </p:spPr>
+        <p:txBody>
+          <a:bodyPr wrap="square" rtlCol="0">
+            <a:spAutoFit/>
+          </a:bodyPr>
+          <a:lstStyle/>
+          <a:p>
+            <a:r>
+              <a:rPr lang="ko-KR" altLang="en-US" dirty="0"/>
+              <a:t>↑개선 전 </a:t>
+            </a:r>
+            <a:r>
+              <a:rPr lang="ko-KR" altLang="en-US" dirty="0" err="1"/>
+              <a:t>동접</a:t>
+            </a:r>
+            <a:endParaRPr lang="en-US" altLang="ko-KR" dirty="0"/>
+          </a:p>
+          <a:p>
+            <a:r>
+              <a:rPr lang="ko-KR" altLang="en-US" dirty="0"/>
+              <a:t>개선 후 </a:t>
+            </a:r>
+            <a:r>
+              <a:rPr lang="ko-KR" altLang="en-US" dirty="0" err="1"/>
+              <a:t>동접</a:t>
+            </a:r>
+            <a:r>
+              <a:rPr lang="ko-KR" altLang="en-US" dirty="0"/>
+              <a:t> →</a:t>
+            </a:r>
           </a:p>
         </p:txBody>
       </p:sp>
     </p:spTree>
     <p:extLst>
       <p:ext uri="{BB962C8B-B14F-4D97-AF65-F5344CB8AC3E}">
-        <p14:creationId xmlns:p14="http://schemas.microsoft.com/office/powerpoint/2010/main" val="2665879358"/>
+        <p14:creationId xmlns:p14="http://schemas.microsoft.com/office/powerpoint/2010/main" val="1077436605"/>
       </p:ext>
     </p:extLst>
   </p:cSld>
@@ -6531,6 +7154,15 @@
 </file>
 
 <file path=customXml/item1.xml><?xml version="1.0" encoding="utf-8"?>
+<?mso-contentType ?>
+<FormTemplates xmlns="http://schemas.microsoft.com/sharepoint/v3/contenttype/forms">
+  <Display>DocumentLibraryForm</Display>
+  <Edit>DocumentLibraryForm</Edit>
+  <New>DocumentLibraryForm</New>
+</FormTemplates>
+</file>
+
+<file path=customXml/item2.xml><?xml version="1.0" encoding="utf-8"?>
 <ct:contentTypeSchema xmlns:ct="http://schemas.microsoft.com/office/2006/metadata/contentType" xmlns:ma="http://schemas.microsoft.com/office/2006/metadata/properties/metaAttributes" ct:_="" ma:_="" ma:contentTypeName="문서" ma:contentTypeID="0x010100FBEE5CB2B9DFE14CB8AEAC5F8802D507" ma:contentTypeVersion="5" ma:contentTypeDescription="새 문서를 만듭니다." ma:contentTypeScope="" ma:versionID="8dbd34b08822635fa2d17a4c351afb56">
   <xsd:schema xmlns:xsd="http://www.w3.org/2001/XMLSchema" xmlns:xs="http://www.w3.org/2001/XMLSchema" xmlns:p="http://schemas.microsoft.com/office/2006/metadata/properties" xmlns:ns3="0bb21b6b-3fa6-4b5f-844b-c2abf1b335e7" targetNamespace="http://schemas.microsoft.com/office/2006/metadata/properties" ma:root="true" ma:fieldsID="19cd0c5dc77cfeda6098bf8dcbe763e9" ns3:_="">
     <xsd:import namespace="0bb21b6b-3fa6-4b5f-844b-c2abf1b335e7"/>
@@ -6680,15 +7312,6 @@
 </ct:contentTypeSchema>
 </file>
 
-<file path=customXml/item2.xml><?xml version="1.0" encoding="utf-8"?>
-<?mso-contentType ?>
-<FormTemplates xmlns="http://schemas.microsoft.com/sharepoint/v3/contenttype/forms">
-  <Display>DocumentLibraryForm</Display>
-  <Edit>DocumentLibraryForm</Edit>
-  <New>DocumentLibraryForm</New>
-</FormTemplates>
-</file>
-
 <file path=customXml/item3.xml><?xml version="1.0" encoding="utf-8"?>
 <p:properties xmlns:p="http://schemas.microsoft.com/office/2006/metadata/properties" xmlns:xsi="http://www.w3.org/2001/XMLSchema-instance" xmlns:pc="http://schemas.microsoft.com/office/infopath/2007/PartnerControls">
   <documentManagement/>
@@ -6696,6 +7319,14 @@
 </file>
 
 <file path=customXml/itemProps1.xml><?xml version="1.0" encoding="utf-8"?>
+<ds:datastoreItem xmlns:ds="http://schemas.openxmlformats.org/officeDocument/2006/customXml" ds:itemID="{08A8C3CD-4F21-44A2-B1C3-DC7D2763C844}">
+  <ds:schemaRefs>
+    <ds:schemaRef ds:uri="http://schemas.microsoft.com/sharepoint/v3/contenttype/forms"/>
+  </ds:schemaRefs>
+</ds:datastoreItem>
+</file>
+
+<file path=customXml/itemProps2.xml><?xml version="1.0" encoding="utf-8"?>
 <ds:datastoreItem xmlns:ds="http://schemas.openxmlformats.org/officeDocument/2006/customXml" ds:itemID="{EB855434-36C3-4CB9-915E-4AA099B4B287}">
   <ds:schemaRefs>
     <ds:schemaRef ds:uri="http://schemas.microsoft.com/office/2006/metadata/contentType"/>
@@ -6709,14 +7340,6 @@
     <ds:schemaRef ds:uri="http://purl.org/dc/elements/1.1/"/>
     <ds:schemaRef ds:uri="http://purl.org/dc/terms/"/>
     <ds:schemaRef ds:uri="http://schemas.microsoft.com/internal/obd"/>
-  </ds:schemaRefs>
-</ds:datastoreItem>
-</file>
-
-<file path=customXml/itemProps2.xml><?xml version="1.0" encoding="utf-8"?>
-<ds:datastoreItem xmlns:ds="http://schemas.openxmlformats.org/officeDocument/2006/customXml" ds:itemID="{08A8C3CD-4F21-44A2-B1C3-DC7D2763C844}">
-  <ds:schemaRefs>
-    <ds:schemaRef ds:uri="http://schemas.microsoft.com/sharepoint/v3/contenttype/forms"/>
   </ds:schemaRefs>
 </ds:datastoreItem>
 </file>

--- a/게임서버텀프로젝트.pptx
+++ b/게임서버텀프로젝트.pptx
@@ -5,7 +5,7 @@
     <p:sldMasterId id="2147483673" r:id="rId4"/>
   </p:sldMasterIdLst>
   <p:notesMasterIdLst>
-    <p:notesMasterId r:id="rId15"/>
+    <p:notesMasterId r:id="rId17"/>
   </p:notesMasterIdLst>
   <p:sldIdLst>
     <p:sldId id="256" r:id="rId5"/>
@@ -17,7 +17,9 @@
     <p:sldId id="265" r:id="rId11"/>
     <p:sldId id="266" r:id="rId12"/>
     <p:sldId id="263" r:id="rId13"/>
-    <p:sldId id="264" r:id="rId14"/>
+    <p:sldId id="267" r:id="rId14"/>
+    <p:sldId id="268" r:id="rId15"/>
+    <p:sldId id="264" r:id="rId16"/>
   </p:sldIdLst>
   <p:sldSz cx="12192000" cy="6858000"/>
   <p:notesSz cx="6858000" cy="9144000"/>
@@ -206,7 +208,7 @@
           <a:p>
             <a:fld id="{1F5E3629-CD8B-4B13-B2BB-663B933A59E6}" type="datetimeFigureOut">
               <a:rPr lang="ko-KR" altLang="en-US" smtClean="0"/>
-              <a:t>2024-10-28</a:t>
+              <a:t>2024-11-06</a:t>
             </a:fld>
             <a:endParaRPr lang="ko-KR" altLang="en-US"/>
           </a:p>
@@ -562,6 +564,222 @@
   <p:cSld>
     <p:spTree>
       <p:nvGrpSpPr>
+        <p:cNvPr id="1" name="">
+          <a:extLst>
+            <a:ext uri="{FF2B5EF4-FFF2-40B4-BE49-F238E27FC236}">
+              <a16:creationId xmlns:a16="http://schemas.microsoft.com/office/drawing/2014/main" id="{C084F1F7-7023-E5A3-8B95-70BAF3760AA4}"/>
+            </a:ext>
+          </a:extLst>
+        </p:cNvPr>
+        <p:cNvGrpSpPr/>
+        <p:nvPr/>
+      </p:nvGrpSpPr>
+      <p:grpSpPr>
+        <a:xfrm>
+          <a:off x="0" y="0"/>
+          <a:ext cx="0" cy="0"/>
+          <a:chOff x="0" y="0"/>
+          <a:chExt cx="0" cy="0"/>
+        </a:xfrm>
+      </p:grpSpPr>
+      <p:sp>
+        <p:nvSpPr>
+          <p:cNvPr id="2" name="슬라이드 이미지 개체 틀 1">
+            <a:extLst>
+              <a:ext uri="{FF2B5EF4-FFF2-40B4-BE49-F238E27FC236}">
+                <a16:creationId xmlns:a16="http://schemas.microsoft.com/office/drawing/2014/main" id="{4815D644-84E2-97A7-01A5-78EF1792E482}"/>
+              </a:ext>
+            </a:extLst>
+          </p:cNvPr>
+          <p:cNvSpPr>
+            <a:spLocks noGrp="1" noRot="1" noChangeAspect="1"/>
+          </p:cNvSpPr>
+          <p:nvPr>
+            <p:ph type="sldImg"/>
+          </p:nvPr>
+        </p:nvSpPr>
+        <p:spPr/>
+      </p:sp>
+      <p:sp>
+        <p:nvSpPr>
+          <p:cNvPr id="3" name="슬라이드 노트 개체 틀 2">
+            <a:extLst>
+              <a:ext uri="{FF2B5EF4-FFF2-40B4-BE49-F238E27FC236}">
+                <a16:creationId xmlns:a16="http://schemas.microsoft.com/office/drawing/2014/main" id="{F61550DC-F7D9-A6DD-2138-09CBAF241BA3}"/>
+              </a:ext>
+            </a:extLst>
+          </p:cNvPr>
+          <p:cNvSpPr>
+            <a:spLocks noGrp="1"/>
+          </p:cNvSpPr>
+          <p:nvPr>
+            <p:ph type="body" idx="1"/>
+          </p:nvPr>
+        </p:nvSpPr>
+        <p:spPr/>
+        <p:txBody>
+          <a:bodyPr/>
+          <a:lstStyle/>
+          <a:p>
+            <a:endParaRPr lang="ko-KR" altLang="en-US" dirty="0"/>
+          </a:p>
+        </p:txBody>
+      </p:sp>
+      <p:sp>
+        <p:nvSpPr>
+          <p:cNvPr id="4" name="슬라이드 번호 개체 틀 3">
+            <a:extLst>
+              <a:ext uri="{FF2B5EF4-FFF2-40B4-BE49-F238E27FC236}">
+                <a16:creationId xmlns:a16="http://schemas.microsoft.com/office/drawing/2014/main" id="{DE9FFD9D-82BF-257A-F181-D050BBFBA6D4}"/>
+              </a:ext>
+            </a:extLst>
+          </p:cNvPr>
+          <p:cNvSpPr>
+            <a:spLocks noGrp="1"/>
+          </p:cNvSpPr>
+          <p:nvPr>
+            <p:ph type="sldNum" sz="quarter" idx="5"/>
+          </p:nvPr>
+        </p:nvSpPr>
+        <p:spPr/>
+        <p:txBody>
+          <a:bodyPr/>
+          <a:lstStyle/>
+          <a:p>
+            <a:fld id="{848B3A6F-3133-4BF3-86BF-2F02FD0430BA}" type="slidenum">
+              <a:rPr lang="ko-KR" altLang="en-US" smtClean="0"/>
+              <a:t>10</a:t>
+            </a:fld>
+            <a:endParaRPr lang="ko-KR" altLang="en-US"/>
+          </a:p>
+        </p:txBody>
+      </p:sp>
+    </p:spTree>
+    <p:extLst>
+      <p:ext uri="{BB962C8B-B14F-4D97-AF65-F5344CB8AC3E}">
+        <p14:creationId xmlns:p14="http://schemas.microsoft.com/office/powerpoint/2010/main" val="2961662174"/>
+      </p:ext>
+    </p:extLst>
+  </p:cSld>
+  <p:clrMapOvr>
+    <a:masterClrMapping/>
+  </p:clrMapOvr>
+</p:notes>
+</file>
+
+<file path=ppt/notesSlides/notesSlide3.xml><?xml version="1.0" encoding="utf-8"?>
+<p:notes xmlns:a="http://schemas.openxmlformats.org/drawingml/2006/main" xmlns:r="http://schemas.openxmlformats.org/officeDocument/2006/relationships" xmlns:p="http://schemas.openxmlformats.org/presentationml/2006/main">
+  <p:cSld>
+    <p:spTree>
+      <p:nvGrpSpPr>
+        <p:cNvPr id="1" name="">
+          <a:extLst>
+            <a:ext uri="{FF2B5EF4-FFF2-40B4-BE49-F238E27FC236}">
+              <a16:creationId xmlns:a16="http://schemas.microsoft.com/office/drawing/2014/main" id="{69CEBC25-FF80-4C7A-38DB-FA8095C2C588}"/>
+            </a:ext>
+          </a:extLst>
+        </p:cNvPr>
+        <p:cNvGrpSpPr/>
+        <p:nvPr/>
+      </p:nvGrpSpPr>
+      <p:grpSpPr>
+        <a:xfrm>
+          <a:off x="0" y="0"/>
+          <a:ext cx="0" cy="0"/>
+          <a:chOff x="0" y="0"/>
+          <a:chExt cx="0" cy="0"/>
+        </a:xfrm>
+      </p:grpSpPr>
+      <p:sp>
+        <p:nvSpPr>
+          <p:cNvPr id="2" name="슬라이드 이미지 개체 틀 1">
+            <a:extLst>
+              <a:ext uri="{FF2B5EF4-FFF2-40B4-BE49-F238E27FC236}">
+                <a16:creationId xmlns:a16="http://schemas.microsoft.com/office/drawing/2014/main" id="{288F9A53-0C12-37A5-5970-010188AF93AC}"/>
+              </a:ext>
+            </a:extLst>
+          </p:cNvPr>
+          <p:cNvSpPr>
+            <a:spLocks noGrp="1" noRot="1" noChangeAspect="1"/>
+          </p:cNvSpPr>
+          <p:nvPr>
+            <p:ph type="sldImg"/>
+          </p:nvPr>
+        </p:nvSpPr>
+        <p:spPr/>
+      </p:sp>
+      <p:sp>
+        <p:nvSpPr>
+          <p:cNvPr id="3" name="슬라이드 노트 개체 틀 2">
+            <a:extLst>
+              <a:ext uri="{FF2B5EF4-FFF2-40B4-BE49-F238E27FC236}">
+                <a16:creationId xmlns:a16="http://schemas.microsoft.com/office/drawing/2014/main" id="{91F1039F-E71C-DE09-2604-183598D8A53F}"/>
+              </a:ext>
+            </a:extLst>
+          </p:cNvPr>
+          <p:cNvSpPr>
+            <a:spLocks noGrp="1"/>
+          </p:cNvSpPr>
+          <p:nvPr>
+            <p:ph type="body" idx="1"/>
+          </p:nvPr>
+        </p:nvSpPr>
+        <p:spPr/>
+        <p:txBody>
+          <a:bodyPr/>
+          <a:lstStyle/>
+          <a:p>
+            <a:endParaRPr lang="ko-KR" altLang="en-US" dirty="0"/>
+          </a:p>
+        </p:txBody>
+      </p:sp>
+      <p:sp>
+        <p:nvSpPr>
+          <p:cNvPr id="4" name="슬라이드 번호 개체 틀 3">
+            <a:extLst>
+              <a:ext uri="{FF2B5EF4-FFF2-40B4-BE49-F238E27FC236}">
+                <a16:creationId xmlns:a16="http://schemas.microsoft.com/office/drawing/2014/main" id="{D835AA55-F9A6-98AC-53D6-C7E1B426B3A7}"/>
+              </a:ext>
+            </a:extLst>
+          </p:cNvPr>
+          <p:cNvSpPr>
+            <a:spLocks noGrp="1"/>
+          </p:cNvSpPr>
+          <p:nvPr>
+            <p:ph type="sldNum" sz="quarter" idx="5"/>
+          </p:nvPr>
+        </p:nvSpPr>
+        <p:spPr/>
+        <p:txBody>
+          <a:bodyPr/>
+          <a:lstStyle/>
+          <a:p>
+            <a:fld id="{848B3A6F-3133-4BF3-86BF-2F02FD0430BA}" type="slidenum">
+              <a:rPr lang="ko-KR" altLang="en-US" smtClean="0"/>
+              <a:t>11</a:t>
+            </a:fld>
+            <a:endParaRPr lang="ko-KR" altLang="en-US"/>
+          </a:p>
+        </p:txBody>
+      </p:sp>
+    </p:spTree>
+    <p:extLst>
+      <p:ext uri="{BB962C8B-B14F-4D97-AF65-F5344CB8AC3E}">
+        <p14:creationId xmlns:p14="http://schemas.microsoft.com/office/powerpoint/2010/main" val="676329892"/>
+      </p:ext>
+    </p:extLst>
+  </p:cSld>
+  <p:clrMapOvr>
+    <a:masterClrMapping/>
+  </p:clrMapOvr>
+</p:notes>
+</file>
+
+<file path=ppt/notesSlides/notesSlide4.xml><?xml version="1.0" encoding="utf-8"?>
+<p:notes xmlns:a="http://schemas.openxmlformats.org/drawingml/2006/main" xmlns:r="http://schemas.openxmlformats.org/officeDocument/2006/relationships" xmlns:p="http://schemas.openxmlformats.org/presentationml/2006/main">
+  <p:cSld>
+    <p:spTree>
+      <p:nvGrpSpPr>
         <p:cNvPr id="1" name=""/>
         <p:cNvGrpSpPr/>
         <p:nvPr/>
@@ -622,7 +840,7 @@
           <a:p>
             <a:fld id="{848B3A6F-3133-4BF3-86BF-2F02FD0430BA}" type="slidenum">
               <a:rPr lang="ko-KR" altLang="en-US" smtClean="0"/>
-              <a:t>10</a:t>
+              <a:t>12</a:t>
             </a:fld>
             <a:endParaRPr lang="ko-KR" altLang="en-US"/>
           </a:p>
@@ -1062,7 +1280,7 @@
           <a:p>
             <a:fld id="{53BEF823-48A5-43FC-BE03-E79964288B41}" type="datetimeFigureOut">
               <a:rPr lang="en-US" smtClean="0"/>
-              <a:t>10/28/2024</a:t>
+              <a:t>11/6/2024</a:t>
             </a:fld>
             <a:endParaRPr lang="en-US" dirty="0"/>
           </a:p>
@@ -1273,7 +1491,7 @@
             <a:fld id="{53BEF823-48A5-43FC-BE03-E79964288B41}" type="datetimeFigureOut">
               <a:rPr lang="en-US" smtClean="0"/>
               <a:pPr algn="r"/>
-              <a:t>10/28/2024</a:t>
+              <a:t>11/6/2024</a:t>
             </a:fld>
             <a:endParaRPr lang="en-US" dirty="0"/>
           </a:p>
@@ -1488,7 +1706,7 @@
             <a:fld id="{53BEF823-48A5-43FC-BE03-E79964288B41}" type="datetimeFigureOut">
               <a:rPr lang="en-US" smtClean="0"/>
               <a:pPr algn="r"/>
-              <a:t>10/28/2024</a:t>
+              <a:t>11/6/2024</a:t>
             </a:fld>
             <a:endParaRPr lang="en-US" dirty="0"/>
           </a:p>
@@ -1691,7 +1909,7 @@
             <a:fld id="{53BEF823-48A5-43FC-BE03-E79964288B41}" type="datetimeFigureOut">
               <a:rPr lang="en-US" smtClean="0"/>
               <a:pPr algn="r"/>
-              <a:t>10/28/2024</a:t>
+              <a:t>11/6/2024</a:t>
             </a:fld>
             <a:endParaRPr lang="en-US" dirty="0"/>
           </a:p>
@@ -1975,7 +2193,7 @@
             <a:fld id="{53BEF823-48A5-43FC-BE03-E79964288B41}" type="datetimeFigureOut">
               <a:rPr lang="en-US" smtClean="0"/>
               <a:pPr algn="r"/>
-              <a:t>10/28/2024</a:t>
+              <a:t>11/6/2024</a:t>
             </a:fld>
             <a:endParaRPr lang="en-US" dirty="0"/>
           </a:p>
@@ -2219,7 +2437,7 @@
             <a:fld id="{53BEF823-48A5-43FC-BE03-E79964288B41}" type="datetimeFigureOut">
               <a:rPr lang="en-US" smtClean="0"/>
               <a:pPr algn="r"/>
-              <a:t>10/28/2024</a:t>
+              <a:t>11/6/2024</a:t>
             </a:fld>
             <a:endParaRPr lang="en-US" dirty="0"/>
           </a:p>
@@ -2662,7 +2880,7 @@
             <a:fld id="{53BEF823-48A5-43FC-BE03-E79964288B41}" type="datetimeFigureOut">
               <a:rPr lang="en-US" smtClean="0"/>
               <a:pPr algn="r"/>
-              <a:t>10/28/2024</a:t>
+              <a:t>11/6/2024</a:t>
             </a:fld>
             <a:endParaRPr lang="en-US" dirty="0"/>
           </a:p>
@@ -2808,7 +3026,7 @@
             <a:fld id="{53BEF823-48A5-43FC-BE03-E79964288B41}" type="datetimeFigureOut">
               <a:rPr lang="en-US" smtClean="0"/>
               <a:pPr algn="r"/>
-              <a:t>10/28/2024</a:t>
+              <a:t>11/6/2024</a:t>
             </a:fld>
             <a:endParaRPr lang="en-US" dirty="0"/>
           </a:p>
@@ -2926,7 +3144,7 @@
             <a:fld id="{53BEF823-48A5-43FC-BE03-E79964288B41}" type="datetimeFigureOut">
               <a:rPr lang="en-US" smtClean="0"/>
               <a:pPr algn="r"/>
-              <a:t>10/28/2024</a:t>
+              <a:t>11/6/2024</a:t>
             </a:fld>
             <a:endParaRPr lang="en-US" dirty="0"/>
           </a:p>
@@ -3210,7 +3428,7 @@
             <a:fld id="{53BEF823-48A5-43FC-BE03-E79964288B41}" type="datetimeFigureOut">
               <a:rPr lang="en-US" smtClean="0"/>
               <a:pPr algn="r"/>
-              <a:t>10/28/2024</a:t>
+              <a:t>11/6/2024</a:t>
             </a:fld>
             <a:endParaRPr lang="en-US" dirty="0"/>
           </a:p>
@@ -3505,7 +3723,7 @@
             <a:fld id="{53BEF823-48A5-43FC-BE03-E79964288B41}" type="datetimeFigureOut">
               <a:rPr lang="en-US" smtClean="0"/>
               <a:pPr algn="r"/>
-              <a:t>10/28/2024</a:t>
+              <a:t>11/6/2024</a:t>
             </a:fld>
             <a:endParaRPr lang="en-US" dirty="0"/>
           </a:p>
@@ -3996,7 +4214,7 @@
             <a:fld id="{53BEF823-48A5-43FC-BE03-E79964288B41}" type="datetimeFigureOut">
               <a:rPr lang="en-US" smtClean="0"/>
               <a:pPr algn="r"/>
-              <a:t>10/28/2024</a:t>
+              <a:t>11/6/2024</a:t>
             </a:fld>
             <a:endParaRPr lang="en-US" dirty="0"/>
           </a:p>
@@ -5055,6 +5273,556 @@
   <p:cSld>
     <p:spTree>
       <p:nvGrpSpPr>
+        <p:cNvPr id="1" name="">
+          <a:extLst>
+            <a:ext uri="{FF2B5EF4-FFF2-40B4-BE49-F238E27FC236}">
+              <a16:creationId xmlns:a16="http://schemas.microsoft.com/office/drawing/2014/main" id="{2DC74E9C-EBED-FAC5-41EF-44E2A7843E21}"/>
+            </a:ext>
+          </a:extLst>
+        </p:cNvPr>
+        <p:cNvGrpSpPr/>
+        <p:nvPr/>
+      </p:nvGrpSpPr>
+      <p:grpSpPr>
+        <a:xfrm>
+          <a:off x="0" y="0"/>
+          <a:ext cx="0" cy="0"/>
+          <a:chOff x="0" y="0"/>
+          <a:chExt cx="0" cy="0"/>
+        </a:xfrm>
+      </p:grpSpPr>
+      <p:sp>
+        <p:nvSpPr>
+          <p:cNvPr id="2" name="제목 1">
+            <a:extLst>
+              <a:ext uri="{FF2B5EF4-FFF2-40B4-BE49-F238E27FC236}">
+                <a16:creationId xmlns:a16="http://schemas.microsoft.com/office/drawing/2014/main" id="{9BB861A4-07A4-2690-3522-473754E3FFCD}"/>
+              </a:ext>
+            </a:extLst>
+          </p:cNvPr>
+          <p:cNvSpPr>
+            <a:spLocks noGrp="1"/>
+          </p:cNvSpPr>
+          <p:nvPr>
+            <p:ph type="ctrTitle"/>
+          </p:nvPr>
+        </p:nvSpPr>
+        <p:spPr>
+          <a:xfrm>
+            <a:off x="1078991" y="1142999"/>
+            <a:ext cx="10583619" cy="5450305"/>
+          </a:xfrm>
+        </p:spPr>
+        <p:txBody>
+          <a:bodyPr>
+            <a:normAutofit/>
+          </a:bodyPr>
+          <a:lstStyle/>
+          <a:p>
+            <a:r>
+              <a:rPr lang="en-US" altLang="ko-KR" sz="3600" dirty="0"/>
+              <a:t>5. </a:t>
+            </a:r>
+            <a:r>
+              <a:rPr lang="ko-KR" altLang="en-US" sz="3600" dirty="0"/>
+              <a:t>추가내용</a:t>
+            </a:r>
+            <a:br>
+              <a:rPr lang="en-US" altLang="ko-KR" sz="3600" dirty="0"/>
+            </a:br>
+            <a:r>
+              <a:rPr lang="ko-KR" altLang="en-US" sz="1800" dirty="0"/>
+              <a:t>이전에는 </a:t>
+            </a:r>
+            <a:r>
+              <a:rPr lang="ko-KR" altLang="en-US" sz="1800" dirty="0" err="1"/>
+              <a:t>어그로몬스터가</a:t>
+            </a:r>
+            <a:r>
+              <a:rPr lang="ko-KR" altLang="en-US" sz="1800" dirty="0"/>
+              <a:t> 존재하지 않음 </a:t>
+            </a:r>
+            <a:r>
+              <a:rPr lang="en-US" altLang="ko-KR" sz="1800" dirty="0"/>
+              <a:t>–&gt;</a:t>
+            </a:r>
+            <a:r>
+              <a:rPr lang="en-US" altLang="ko-KR" sz="1800" dirty="0" err="1"/>
+              <a:t>Astar</a:t>
+            </a:r>
+            <a:r>
+              <a:rPr lang="ko-KR" altLang="en-US" sz="1800" dirty="0"/>
+              <a:t>알고리즘을 통해 어그로 몬스터 추가</a:t>
+            </a:r>
+            <a:br>
+              <a:rPr lang="en-US" altLang="ko-KR" sz="3600" dirty="0"/>
+            </a:br>
+            <a:br>
+              <a:rPr lang="en-US" altLang="ko-KR" sz="3600" dirty="0"/>
+            </a:br>
+            <a:br>
+              <a:rPr lang="en-US" altLang="ko-KR" sz="3600" dirty="0"/>
+            </a:br>
+            <a:br>
+              <a:rPr lang="en-US" altLang="ko-KR" sz="3600" dirty="0"/>
+            </a:br>
+            <a:br>
+              <a:rPr lang="en-US" altLang="ko-KR" sz="3600" dirty="0"/>
+            </a:br>
+            <a:br>
+              <a:rPr lang="en-US" altLang="ko-KR" sz="3600" dirty="0"/>
+            </a:br>
+            <a:r>
+              <a:rPr lang="en-US" altLang="ko-KR" sz="3200" dirty="0"/>
+              <a:t> </a:t>
+            </a:r>
+            <a:endParaRPr lang="ko-KR" altLang="en-US" sz="3200" dirty="0"/>
+          </a:p>
+        </p:txBody>
+      </p:sp>
+      <p:pic>
+        <p:nvPicPr>
+          <p:cNvPr id="7" name="그림 6" descr="스크린샷, 텍스트, 멀티미디어 소프트웨어, 그래픽 소프트웨어이(가) 표시된 사진&#10;&#10;자동 생성된 설명">
+            <a:extLst>
+              <a:ext uri="{FF2B5EF4-FFF2-40B4-BE49-F238E27FC236}">
+                <a16:creationId xmlns:a16="http://schemas.microsoft.com/office/drawing/2014/main" id="{1CDE4CA5-068E-31E4-7B1E-1B6430988FE1}"/>
+              </a:ext>
+            </a:extLst>
+          </p:cNvPr>
+          <p:cNvPicPr>
+            <a:picLocks noChangeAspect="1"/>
+          </p:cNvPicPr>
+          <p:nvPr/>
+        </p:nvPicPr>
+        <p:blipFill>
+          <a:blip r:embed="rId3">
+            <a:extLst>
+              <a:ext uri="{28A0092B-C50C-407E-A947-70E740481C1C}">
+                <a14:useLocalDpi xmlns:a14="http://schemas.microsoft.com/office/drawing/2010/main" val="0"/>
+              </a:ext>
+            </a:extLst>
+          </a:blip>
+          <a:stretch>
+            <a:fillRect/>
+          </a:stretch>
+        </p:blipFill>
+        <p:spPr>
+          <a:xfrm>
+            <a:off x="2247391" y="2321715"/>
+            <a:ext cx="6967729" cy="3753293"/>
+          </a:xfrm>
+          <a:prstGeom prst="rect">
+            <a:avLst/>
+          </a:prstGeom>
+        </p:spPr>
+      </p:pic>
+      <p:sp>
+        <p:nvSpPr>
+          <p:cNvPr id="8" name="TextBox 7">
+            <a:extLst>
+              <a:ext uri="{FF2B5EF4-FFF2-40B4-BE49-F238E27FC236}">
+                <a16:creationId xmlns:a16="http://schemas.microsoft.com/office/drawing/2014/main" id="{FB9D8544-EEF0-B558-76D8-B6596441B75F}"/>
+              </a:ext>
+            </a:extLst>
+          </p:cNvPr>
+          <p:cNvSpPr txBox="1"/>
+          <p:nvPr/>
+        </p:nvSpPr>
+        <p:spPr>
+          <a:xfrm>
+            <a:off x="1994743" y="6223972"/>
+            <a:ext cx="8752114" cy="369332"/>
+          </a:xfrm>
+          <a:prstGeom prst="rect">
+            <a:avLst/>
+          </a:prstGeom>
+          <a:noFill/>
+        </p:spPr>
+        <p:txBody>
+          <a:bodyPr wrap="square" rtlCol="0">
+            <a:spAutoFit/>
+          </a:bodyPr>
+          <a:lstStyle/>
+          <a:p>
+            <a:pPr algn="ctr"/>
+            <a:r>
+              <a:rPr lang="en-US" altLang="ko-KR" dirty="0" err="1">
+                <a:latin typeface="+mj-lt"/>
+              </a:rPr>
+              <a:t>Astar</a:t>
+            </a:r>
+            <a:r>
+              <a:rPr lang="ko-KR" altLang="en-US" dirty="0">
+                <a:latin typeface="+mj-lt"/>
+              </a:rPr>
+              <a:t>알고리즘 추가 후 </a:t>
+            </a:r>
+            <a:r>
+              <a:rPr lang="ko-KR" altLang="en-US" dirty="0" err="1">
+                <a:latin typeface="+mj-lt"/>
+              </a:rPr>
+              <a:t>동접이</a:t>
+            </a:r>
+            <a:r>
+              <a:rPr lang="ko-KR" altLang="en-US" dirty="0">
+                <a:latin typeface="+mj-lt"/>
+              </a:rPr>
+              <a:t> </a:t>
+            </a:r>
+            <a:r>
+              <a:rPr lang="en-US" altLang="ko-KR" dirty="0">
+                <a:latin typeface="+mj-lt"/>
+              </a:rPr>
+              <a:t>3</a:t>
+            </a:r>
+            <a:r>
+              <a:rPr lang="ko-KR" altLang="en-US" dirty="0">
+                <a:latin typeface="+mj-lt"/>
+              </a:rPr>
+              <a:t>분의 </a:t>
+            </a:r>
+            <a:r>
+              <a:rPr lang="en-US" altLang="ko-KR" dirty="0">
+                <a:latin typeface="+mj-lt"/>
+              </a:rPr>
+              <a:t>1</a:t>
+            </a:r>
+            <a:r>
+              <a:rPr lang="ko-KR" altLang="en-US" dirty="0">
+                <a:latin typeface="+mj-lt"/>
+              </a:rPr>
+              <a:t>토막</a:t>
+            </a:r>
+          </a:p>
+        </p:txBody>
+      </p:sp>
+    </p:spTree>
+    <p:extLst>
+      <p:ext uri="{BB962C8B-B14F-4D97-AF65-F5344CB8AC3E}">
+        <p14:creationId xmlns:p14="http://schemas.microsoft.com/office/powerpoint/2010/main" val="2557851575"/>
+      </p:ext>
+    </p:extLst>
+  </p:cSld>
+  <p:clrMapOvr>
+    <a:masterClrMapping/>
+  </p:clrMapOvr>
+</p:sld>
+</file>
+
+<file path=ppt/slides/slide11.xml><?xml version="1.0" encoding="utf-8"?>
+<p:sld xmlns:a="http://schemas.openxmlformats.org/drawingml/2006/main" xmlns:r="http://schemas.openxmlformats.org/officeDocument/2006/relationships" xmlns:p="http://schemas.openxmlformats.org/presentationml/2006/main">
+  <p:cSld>
+    <p:spTree>
+      <p:nvGrpSpPr>
+        <p:cNvPr id="1" name="">
+          <a:extLst>
+            <a:ext uri="{FF2B5EF4-FFF2-40B4-BE49-F238E27FC236}">
+              <a16:creationId xmlns:a16="http://schemas.microsoft.com/office/drawing/2014/main" id="{7CED69F7-036B-94F1-9443-9750D38610A2}"/>
+            </a:ext>
+          </a:extLst>
+        </p:cNvPr>
+        <p:cNvGrpSpPr/>
+        <p:nvPr/>
+      </p:nvGrpSpPr>
+      <p:grpSpPr>
+        <a:xfrm>
+          <a:off x="0" y="0"/>
+          <a:ext cx="0" cy="0"/>
+          <a:chOff x="0" y="0"/>
+          <a:chExt cx="0" cy="0"/>
+        </a:xfrm>
+      </p:grpSpPr>
+      <p:sp>
+        <p:nvSpPr>
+          <p:cNvPr id="2" name="제목 1">
+            <a:extLst>
+              <a:ext uri="{FF2B5EF4-FFF2-40B4-BE49-F238E27FC236}">
+                <a16:creationId xmlns:a16="http://schemas.microsoft.com/office/drawing/2014/main" id="{1C467B12-9CC3-6631-3E58-3FDBAE0A3081}"/>
+              </a:ext>
+            </a:extLst>
+          </p:cNvPr>
+          <p:cNvSpPr>
+            <a:spLocks noGrp="1"/>
+          </p:cNvSpPr>
+          <p:nvPr>
+            <p:ph type="ctrTitle"/>
+          </p:nvPr>
+        </p:nvSpPr>
+        <p:spPr>
+          <a:xfrm>
+            <a:off x="1078991" y="1142999"/>
+            <a:ext cx="10583619" cy="5450305"/>
+          </a:xfrm>
+        </p:spPr>
+        <p:txBody>
+          <a:bodyPr>
+            <a:normAutofit/>
+          </a:bodyPr>
+          <a:lstStyle/>
+          <a:p>
+            <a:r>
+              <a:rPr lang="en-US" altLang="ko-KR" sz="3600" dirty="0"/>
+              <a:t>5. </a:t>
+            </a:r>
+            <a:r>
+              <a:rPr lang="ko-KR" altLang="en-US" sz="3600" dirty="0"/>
+              <a:t>추가내용</a:t>
+            </a:r>
+            <a:br>
+              <a:rPr lang="en-US" altLang="ko-KR" sz="3600" dirty="0"/>
+            </a:br>
+            <a:br>
+              <a:rPr lang="en-US" altLang="ko-KR" sz="3600" dirty="0"/>
+            </a:br>
+            <a:br>
+              <a:rPr lang="en-US" altLang="ko-KR" sz="3600" dirty="0"/>
+            </a:br>
+            <a:br>
+              <a:rPr lang="en-US" altLang="ko-KR" sz="3600" dirty="0"/>
+            </a:br>
+            <a:br>
+              <a:rPr lang="en-US" altLang="ko-KR" sz="3600" dirty="0"/>
+            </a:br>
+            <a:br>
+              <a:rPr lang="en-US" altLang="ko-KR" sz="3600" dirty="0"/>
+            </a:br>
+            <a:br>
+              <a:rPr lang="en-US" altLang="ko-KR" sz="3600" dirty="0"/>
+            </a:br>
+            <a:r>
+              <a:rPr lang="en-US" altLang="ko-KR" sz="3200" dirty="0"/>
+              <a:t> </a:t>
+            </a:r>
+            <a:endParaRPr lang="ko-KR" altLang="en-US" sz="3200" dirty="0"/>
+          </a:p>
+        </p:txBody>
+      </p:sp>
+      <p:pic>
+        <p:nvPicPr>
+          <p:cNvPr id="4" name="그림 3" descr="텍스트, 스크린샷, 소프트웨어, 디스플레이이(가) 표시된 사진">
+            <a:extLst>
+              <a:ext uri="{FF2B5EF4-FFF2-40B4-BE49-F238E27FC236}">
+                <a16:creationId xmlns:a16="http://schemas.microsoft.com/office/drawing/2014/main" id="{5CF7FE35-913C-06E1-FA33-116B0CA19905}"/>
+              </a:ext>
+            </a:extLst>
+          </p:cNvPr>
+          <p:cNvPicPr>
+            <a:picLocks noChangeAspect="1"/>
+          </p:cNvPicPr>
+          <p:nvPr/>
+        </p:nvPicPr>
+        <p:blipFill>
+          <a:blip r:embed="rId3">
+            <a:extLst>
+              <a:ext uri="{28A0092B-C50C-407E-A947-70E740481C1C}">
+                <a14:useLocalDpi xmlns:a14="http://schemas.microsoft.com/office/drawing/2010/main" val="0"/>
+              </a:ext>
+            </a:extLst>
+          </a:blip>
+          <a:stretch>
+            <a:fillRect/>
+          </a:stretch>
+        </p:blipFill>
+        <p:spPr>
+          <a:xfrm>
+            <a:off x="1078990" y="1891958"/>
+            <a:ext cx="6314629" cy="4516680"/>
+          </a:xfrm>
+          <a:prstGeom prst="rect">
+            <a:avLst/>
+          </a:prstGeom>
+        </p:spPr>
+      </p:pic>
+      <p:sp>
+        <p:nvSpPr>
+          <p:cNvPr id="5" name="TextBox 4">
+            <a:extLst>
+              <a:ext uri="{FF2B5EF4-FFF2-40B4-BE49-F238E27FC236}">
+                <a16:creationId xmlns:a16="http://schemas.microsoft.com/office/drawing/2014/main" id="{D2AE2F21-2407-FF74-525A-F892D62001F5}"/>
+              </a:ext>
+            </a:extLst>
+          </p:cNvPr>
+          <p:cNvSpPr txBox="1"/>
+          <p:nvPr/>
+        </p:nvSpPr>
+        <p:spPr>
+          <a:xfrm>
+            <a:off x="7836310" y="1691148"/>
+            <a:ext cx="3657600" cy="3970318"/>
+          </a:xfrm>
+          <a:prstGeom prst="rect">
+            <a:avLst/>
+          </a:prstGeom>
+          <a:noFill/>
+        </p:spPr>
+        <p:txBody>
+          <a:bodyPr wrap="square" rtlCol="0">
+            <a:spAutoFit/>
+          </a:bodyPr>
+          <a:lstStyle/>
+          <a:p>
+            <a:r>
+              <a:rPr lang="ko-KR" altLang="en-US" dirty="0" err="1">
+                <a:latin typeface="+mn-ea"/>
+              </a:rPr>
+              <a:t>동접</a:t>
+            </a:r>
+            <a:r>
+              <a:rPr lang="ko-KR" altLang="en-US" dirty="0">
+                <a:latin typeface="+mn-ea"/>
+              </a:rPr>
+              <a:t> 약 </a:t>
+            </a:r>
+            <a:r>
+              <a:rPr lang="en-US" altLang="ko-KR" dirty="0">
+                <a:latin typeface="+mn-ea"/>
+              </a:rPr>
+              <a:t>5</a:t>
+            </a:r>
+            <a:r>
+              <a:rPr lang="ko-KR" altLang="en-US" dirty="0">
+                <a:latin typeface="+mn-ea"/>
+              </a:rPr>
+              <a:t>천 초중반부터 지연율이 급격히 상승 후 플레이어가 </a:t>
+            </a:r>
+            <a:r>
+              <a:rPr lang="en-US" altLang="ko-KR" dirty="0">
+                <a:latin typeface="+mn-ea"/>
+              </a:rPr>
+              <a:t>disconnect</a:t>
+            </a:r>
+            <a:r>
+              <a:rPr lang="ko-KR" altLang="en-US" dirty="0">
+                <a:latin typeface="+mn-ea"/>
+              </a:rPr>
+              <a:t>되는 상황 발생</a:t>
+            </a:r>
+            <a:r>
+              <a:rPr lang="en-US" altLang="ko-KR" dirty="0">
+                <a:latin typeface="+mn-ea"/>
+              </a:rPr>
+              <a:t>, </a:t>
+            </a:r>
+            <a:r>
+              <a:rPr lang="ko-KR" altLang="en-US" dirty="0">
+                <a:latin typeface="+mn-ea"/>
+              </a:rPr>
+              <a:t>플레이어 추가 입장이 불가능</a:t>
+            </a:r>
+            <a:endParaRPr lang="en-US" altLang="ko-KR" dirty="0">
+              <a:latin typeface="+mn-ea"/>
+            </a:endParaRPr>
+          </a:p>
+          <a:p>
+            <a:endParaRPr lang="en-US" altLang="ko-KR" dirty="0">
+              <a:latin typeface="+mn-ea"/>
+            </a:endParaRPr>
+          </a:p>
+          <a:p>
+            <a:pPr marL="285750" indent="-285750">
+              <a:buFont typeface="Wingdings" panose="05000000000000000000" pitchFamily="2" charset="2"/>
+              <a:buChar char="è"/>
+            </a:pPr>
+            <a:r>
+              <a:rPr lang="ko-KR" altLang="en-US" dirty="0">
+                <a:latin typeface="+mn-ea"/>
+              </a:rPr>
+              <a:t>원인은 </a:t>
+            </a:r>
+            <a:r>
+              <a:rPr lang="ko-KR" altLang="en-US" dirty="0" err="1">
+                <a:latin typeface="+mn-ea"/>
+              </a:rPr>
+              <a:t>에이스타알고리즘에</a:t>
+            </a:r>
+            <a:r>
+              <a:rPr lang="ko-KR" altLang="en-US" dirty="0">
+                <a:latin typeface="+mn-ea"/>
+              </a:rPr>
+              <a:t> 존재 병목현상을 만들어서 스트레스 테스트에 지연 현상을 불러일으킴</a:t>
+            </a:r>
+            <a:endParaRPr lang="en-US" altLang="ko-KR" dirty="0">
+              <a:latin typeface="+mn-ea"/>
+            </a:endParaRPr>
+          </a:p>
+          <a:p>
+            <a:endParaRPr lang="en-US" altLang="ko-KR" dirty="0">
+              <a:latin typeface="+mn-ea"/>
+            </a:endParaRPr>
+          </a:p>
+          <a:p>
+            <a:endParaRPr lang="en-US" altLang="ko-KR" dirty="0">
+              <a:latin typeface="+mn-ea"/>
+            </a:endParaRPr>
+          </a:p>
+          <a:p>
+            <a:pPr marL="285750" indent="-285750">
+              <a:buFont typeface="Wingdings" panose="05000000000000000000" pitchFamily="2" charset="2"/>
+              <a:buChar char="è"/>
+            </a:pPr>
+            <a:r>
+              <a:rPr lang="ko-KR" altLang="en-US" dirty="0">
+                <a:latin typeface="+mn-ea"/>
+              </a:rPr>
+              <a:t>해결책으로 </a:t>
+            </a:r>
+            <a:r>
+              <a:rPr lang="ko-KR" altLang="en-US" dirty="0" err="1">
+                <a:latin typeface="+mn-ea"/>
+              </a:rPr>
+              <a:t>루아스크립트를</a:t>
+            </a:r>
+            <a:r>
+              <a:rPr lang="ko-KR" altLang="en-US" dirty="0">
+                <a:latin typeface="+mn-ea"/>
+              </a:rPr>
+              <a:t> 연동하여 </a:t>
+            </a:r>
+            <a:r>
+              <a:rPr lang="ko-KR" altLang="en-US" dirty="0" err="1">
+                <a:latin typeface="+mn-ea"/>
+              </a:rPr>
+              <a:t>경로찾기를</a:t>
+            </a:r>
+            <a:r>
+              <a:rPr lang="ko-KR" altLang="en-US" dirty="0">
+                <a:latin typeface="+mn-ea"/>
+              </a:rPr>
+              <a:t> </a:t>
+            </a:r>
+            <a:r>
+              <a:rPr lang="ko-KR" altLang="en-US" dirty="0" err="1">
+                <a:latin typeface="+mn-ea"/>
+              </a:rPr>
+              <a:t>루아에서</a:t>
+            </a:r>
+            <a:r>
+              <a:rPr lang="ko-KR" altLang="en-US" dirty="0">
+                <a:latin typeface="+mn-ea"/>
+              </a:rPr>
+              <a:t> 해보았으나 동일한 결과가 나타남</a:t>
+            </a:r>
+          </a:p>
+        </p:txBody>
+      </p:sp>
+    </p:spTree>
+    <p:extLst>
+      <p:ext uri="{BB962C8B-B14F-4D97-AF65-F5344CB8AC3E}">
+        <p14:creationId xmlns:p14="http://schemas.microsoft.com/office/powerpoint/2010/main" val="3894165595"/>
+      </p:ext>
+    </p:extLst>
+  </p:cSld>
+  <p:clrMapOvr>
+    <a:masterClrMapping/>
+  </p:clrMapOvr>
+</p:sld>
+</file>
+
+<file path=ppt/slides/slide12.xml><?xml version="1.0" encoding="utf-8"?>
+<p:sld xmlns:a="http://schemas.openxmlformats.org/drawingml/2006/main" xmlns:r="http://schemas.openxmlformats.org/officeDocument/2006/relationships" xmlns:p="http://schemas.openxmlformats.org/presentationml/2006/main">
+  <p:cSld>
+    <p:spTree>
+      <p:nvGrpSpPr>
         <p:cNvPr id="1" name=""/>
         <p:cNvGrpSpPr/>
         <p:nvPr/>
@@ -5192,7 +5960,12 @@
             <p:ph type="ctrTitle"/>
           </p:nvPr>
         </p:nvSpPr>
-        <p:spPr/>
+        <p:spPr>
+          <a:xfrm>
+            <a:off x="1078991" y="1143000"/>
+            <a:ext cx="10611563" cy="3730752"/>
+          </a:xfrm>
+        </p:spPr>
         <p:txBody>
           <a:bodyPr>
             <a:normAutofit fontScale="90000"/>
@@ -5213,6 +5986,14 @@
             <a:r>
               <a:rPr lang="ko-KR" altLang="en-US" sz="3600" dirty="0"/>
               <a:t>개발 환경</a:t>
+            </a:r>
+            <a:r>
+              <a:rPr lang="en-US" altLang="ko-KR" sz="3600" dirty="0"/>
+              <a:t>				6.</a:t>
+            </a:r>
+            <a:r>
+              <a:rPr lang="ko-KR" altLang="en-US" sz="3600" dirty="0"/>
+              <a:t>추가내용</a:t>
             </a:r>
             <a:br>
               <a:rPr lang="en-US" altLang="ko-KR" sz="3600" dirty="0"/>
@@ -7154,15 +7935,6 @@
 </file>
 
 <file path=customXml/item1.xml><?xml version="1.0" encoding="utf-8"?>
-<?mso-contentType ?>
-<FormTemplates xmlns="http://schemas.microsoft.com/sharepoint/v3/contenttype/forms">
-  <Display>DocumentLibraryForm</Display>
-  <Edit>DocumentLibraryForm</Edit>
-  <New>DocumentLibraryForm</New>
-</FormTemplates>
-</file>
-
-<file path=customXml/item2.xml><?xml version="1.0" encoding="utf-8"?>
 <ct:contentTypeSchema xmlns:ct="http://schemas.microsoft.com/office/2006/metadata/contentType" xmlns:ma="http://schemas.microsoft.com/office/2006/metadata/properties/metaAttributes" ct:_="" ma:_="" ma:contentTypeName="문서" ma:contentTypeID="0x010100FBEE5CB2B9DFE14CB8AEAC5F8802D507" ma:contentTypeVersion="5" ma:contentTypeDescription="새 문서를 만듭니다." ma:contentTypeScope="" ma:versionID="8dbd34b08822635fa2d17a4c351afb56">
   <xsd:schema xmlns:xsd="http://www.w3.org/2001/XMLSchema" xmlns:xs="http://www.w3.org/2001/XMLSchema" xmlns:p="http://schemas.microsoft.com/office/2006/metadata/properties" xmlns:ns3="0bb21b6b-3fa6-4b5f-844b-c2abf1b335e7" targetNamespace="http://schemas.microsoft.com/office/2006/metadata/properties" ma:root="true" ma:fieldsID="19cd0c5dc77cfeda6098bf8dcbe763e9" ns3:_="">
     <xsd:import namespace="0bb21b6b-3fa6-4b5f-844b-c2abf1b335e7"/>
@@ -7312,6 +8084,15 @@
 </ct:contentTypeSchema>
 </file>
 
+<file path=customXml/item2.xml><?xml version="1.0" encoding="utf-8"?>
+<?mso-contentType ?>
+<FormTemplates xmlns="http://schemas.microsoft.com/sharepoint/v3/contenttype/forms">
+  <Display>DocumentLibraryForm</Display>
+  <Edit>DocumentLibraryForm</Edit>
+  <New>DocumentLibraryForm</New>
+</FormTemplates>
+</file>
+
 <file path=customXml/item3.xml><?xml version="1.0" encoding="utf-8"?>
 <p:properties xmlns:p="http://schemas.microsoft.com/office/2006/metadata/properties" xmlns:xsi="http://www.w3.org/2001/XMLSchema-instance" xmlns:pc="http://schemas.microsoft.com/office/infopath/2007/PartnerControls">
   <documentManagement/>
@@ -7319,14 +8100,6 @@
 </file>
 
 <file path=customXml/itemProps1.xml><?xml version="1.0" encoding="utf-8"?>
-<ds:datastoreItem xmlns:ds="http://schemas.openxmlformats.org/officeDocument/2006/customXml" ds:itemID="{08A8C3CD-4F21-44A2-B1C3-DC7D2763C844}">
-  <ds:schemaRefs>
-    <ds:schemaRef ds:uri="http://schemas.microsoft.com/sharepoint/v3/contenttype/forms"/>
-  </ds:schemaRefs>
-</ds:datastoreItem>
-</file>
-
-<file path=customXml/itemProps2.xml><?xml version="1.0" encoding="utf-8"?>
 <ds:datastoreItem xmlns:ds="http://schemas.openxmlformats.org/officeDocument/2006/customXml" ds:itemID="{EB855434-36C3-4CB9-915E-4AA099B4B287}">
   <ds:schemaRefs>
     <ds:schemaRef ds:uri="http://schemas.microsoft.com/office/2006/metadata/contentType"/>
@@ -7340,6 +8113,14 @@
     <ds:schemaRef ds:uri="http://purl.org/dc/elements/1.1/"/>
     <ds:schemaRef ds:uri="http://purl.org/dc/terms/"/>
     <ds:schemaRef ds:uri="http://schemas.microsoft.com/internal/obd"/>
+  </ds:schemaRefs>
+</ds:datastoreItem>
+</file>
+
+<file path=customXml/itemProps2.xml><?xml version="1.0" encoding="utf-8"?>
+<ds:datastoreItem xmlns:ds="http://schemas.openxmlformats.org/officeDocument/2006/customXml" ds:itemID="{08A8C3CD-4F21-44A2-B1C3-DC7D2763C844}">
+  <ds:schemaRefs>
+    <ds:schemaRef ds:uri="http://schemas.microsoft.com/sharepoint/v3/contenttype/forms"/>
   </ds:schemaRefs>
 </ds:datastoreItem>
 </file>

--- a/게임서버텀프로젝트.pptx
+++ b/게임서버텀프로젝트.pptx
@@ -208,7 +208,7 @@
           <a:p>
             <a:fld id="{1F5E3629-CD8B-4B13-B2BB-663B933A59E6}" type="datetimeFigureOut">
               <a:rPr lang="ko-KR" altLang="en-US" smtClean="0"/>
-              <a:t>2024-11-06</a:t>
+              <a:t>2024-11-10</a:t>
             </a:fld>
             <a:endParaRPr lang="ko-KR" altLang="en-US"/>
           </a:p>
@@ -1280,7 +1280,7 @@
           <a:p>
             <a:fld id="{53BEF823-48A5-43FC-BE03-E79964288B41}" type="datetimeFigureOut">
               <a:rPr lang="en-US" smtClean="0"/>
-              <a:t>11/6/2024</a:t>
+              <a:t>11/10/2024</a:t>
             </a:fld>
             <a:endParaRPr lang="en-US" dirty="0"/>
           </a:p>
@@ -1491,7 +1491,7 @@
             <a:fld id="{53BEF823-48A5-43FC-BE03-E79964288B41}" type="datetimeFigureOut">
               <a:rPr lang="en-US" smtClean="0"/>
               <a:pPr algn="r"/>
-              <a:t>11/6/2024</a:t>
+              <a:t>11/10/2024</a:t>
             </a:fld>
             <a:endParaRPr lang="en-US" dirty="0"/>
           </a:p>
@@ -1706,7 +1706,7 @@
             <a:fld id="{53BEF823-48A5-43FC-BE03-E79964288B41}" type="datetimeFigureOut">
               <a:rPr lang="en-US" smtClean="0"/>
               <a:pPr algn="r"/>
-              <a:t>11/6/2024</a:t>
+              <a:t>11/10/2024</a:t>
             </a:fld>
             <a:endParaRPr lang="en-US" dirty="0"/>
           </a:p>
@@ -1909,7 +1909,7 @@
             <a:fld id="{53BEF823-48A5-43FC-BE03-E79964288B41}" type="datetimeFigureOut">
               <a:rPr lang="en-US" smtClean="0"/>
               <a:pPr algn="r"/>
-              <a:t>11/6/2024</a:t>
+              <a:t>11/10/2024</a:t>
             </a:fld>
             <a:endParaRPr lang="en-US" dirty="0"/>
           </a:p>
@@ -2193,7 +2193,7 @@
             <a:fld id="{53BEF823-48A5-43FC-BE03-E79964288B41}" type="datetimeFigureOut">
               <a:rPr lang="en-US" smtClean="0"/>
               <a:pPr algn="r"/>
-              <a:t>11/6/2024</a:t>
+              <a:t>11/10/2024</a:t>
             </a:fld>
             <a:endParaRPr lang="en-US" dirty="0"/>
           </a:p>
@@ -2437,7 +2437,7 @@
             <a:fld id="{53BEF823-48A5-43FC-BE03-E79964288B41}" type="datetimeFigureOut">
               <a:rPr lang="en-US" smtClean="0"/>
               <a:pPr algn="r"/>
-              <a:t>11/6/2024</a:t>
+              <a:t>11/10/2024</a:t>
             </a:fld>
             <a:endParaRPr lang="en-US" dirty="0"/>
           </a:p>
@@ -2880,7 +2880,7 @@
             <a:fld id="{53BEF823-48A5-43FC-BE03-E79964288B41}" type="datetimeFigureOut">
               <a:rPr lang="en-US" smtClean="0"/>
               <a:pPr algn="r"/>
-              <a:t>11/6/2024</a:t>
+              <a:t>11/10/2024</a:t>
             </a:fld>
             <a:endParaRPr lang="en-US" dirty="0"/>
           </a:p>
@@ -3026,7 +3026,7 @@
             <a:fld id="{53BEF823-48A5-43FC-BE03-E79964288B41}" type="datetimeFigureOut">
               <a:rPr lang="en-US" smtClean="0"/>
               <a:pPr algn="r"/>
-              <a:t>11/6/2024</a:t>
+              <a:t>11/10/2024</a:t>
             </a:fld>
             <a:endParaRPr lang="en-US" dirty="0"/>
           </a:p>
@@ -3144,7 +3144,7 @@
             <a:fld id="{53BEF823-48A5-43FC-BE03-E79964288B41}" type="datetimeFigureOut">
               <a:rPr lang="en-US" smtClean="0"/>
               <a:pPr algn="r"/>
-              <a:t>11/6/2024</a:t>
+              <a:t>11/10/2024</a:t>
             </a:fld>
             <a:endParaRPr lang="en-US" dirty="0"/>
           </a:p>
@@ -3428,7 +3428,7 @@
             <a:fld id="{53BEF823-48A5-43FC-BE03-E79964288B41}" type="datetimeFigureOut">
               <a:rPr lang="en-US" smtClean="0"/>
               <a:pPr algn="r"/>
-              <a:t>11/6/2024</a:t>
+              <a:t>11/10/2024</a:t>
             </a:fld>
             <a:endParaRPr lang="en-US" dirty="0"/>
           </a:p>
@@ -3723,7 +3723,7 @@
             <a:fld id="{53BEF823-48A5-43FC-BE03-E79964288B41}" type="datetimeFigureOut">
               <a:rPr lang="en-US" smtClean="0"/>
               <a:pPr algn="r"/>
-              <a:t>11/6/2024</a:t>
+              <a:t>11/10/2024</a:t>
             </a:fld>
             <a:endParaRPr lang="en-US" dirty="0"/>
           </a:p>
@@ -4214,7 +4214,7 @@
             <a:fld id="{53BEF823-48A5-43FC-BE03-E79964288B41}" type="datetimeFigureOut">
               <a:rPr lang="en-US" smtClean="0"/>
               <a:pPr algn="r"/>
-              <a:t>11/6/2024</a:t>
+              <a:t>11/10/2024</a:t>
             </a:fld>
             <a:endParaRPr lang="en-US" dirty="0"/>
           </a:p>
@@ -7935,6 +7935,15 @@
 </file>
 
 <file path=customXml/item1.xml><?xml version="1.0" encoding="utf-8"?>
+<?mso-contentType ?>
+<FormTemplates xmlns="http://schemas.microsoft.com/sharepoint/v3/contenttype/forms">
+  <Display>DocumentLibraryForm</Display>
+  <Edit>DocumentLibraryForm</Edit>
+  <New>DocumentLibraryForm</New>
+</FormTemplates>
+</file>
+
+<file path=customXml/item2.xml><?xml version="1.0" encoding="utf-8"?>
 <ct:contentTypeSchema xmlns:ct="http://schemas.microsoft.com/office/2006/metadata/contentType" xmlns:ma="http://schemas.microsoft.com/office/2006/metadata/properties/metaAttributes" ct:_="" ma:_="" ma:contentTypeName="문서" ma:contentTypeID="0x010100FBEE5CB2B9DFE14CB8AEAC5F8802D507" ma:contentTypeVersion="5" ma:contentTypeDescription="새 문서를 만듭니다." ma:contentTypeScope="" ma:versionID="8dbd34b08822635fa2d17a4c351afb56">
   <xsd:schema xmlns:xsd="http://www.w3.org/2001/XMLSchema" xmlns:xs="http://www.w3.org/2001/XMLSchema" xmlns:p="http://schemas.microsoft.com/office/2006/metadata/properties" xmlns:ns3="0bb21b6b-3fa6-4b5f-844b-c2abf1b335e7" targetNamespace="http://schemas.microsoft.com/office/2006/metadata/properties" ma:root="true" ma:fieldsID="19cd0c5dc77cfeda6098bf8dcbe763e9" ns3:_="">
     <xsd:import namespace="0bb21b6b-3fa6-4b5f-844b-c2abf1b335e7"/>
@@ -8084,15 +8093,6 @@
 </ct:contentTypeSchema>
 </file>
 
-<file path=customXml/item2.xml><?xml version="1.0" encoding="utf-8"?>
-<?mso-contentType ?>
-<FormTemplates xmlns="http://schemas.microsoft.com/sharepoint/v3/contenttype/forms">
-  <Display>DocumentLibraryForm</Display>
-  <Edit>DocumentLibraryForm</Edit>
-  <New>DocumentLibraryForm</New>
-</FormTemplates>
-</file>
-
 <file path=customXml/item3.xml><?xml version="1.0" encoding="utf-8"?>
 <p:properties xmlns:p="http://schemas.microsoft.com/office/2006/metadata/properties" xmlns:xsi="http://www.w3.org/2001/XMLSchema-instance" xmlns:pc="http://schemas.microsoft.com/office/infopath/2007/PartnerControls">
   <documentManagement/>
@@ -8100,6 +8100,14 @@
 </file>
 
 <file path=customXml/itemProps1.xml><?xml version="1.0" encoding="utf-8"?>
+<ds:datastoreItem xmlns:ds="http://schemas.openxmlformats.org/officeDocument/2006/customXml" ds:itemID="{08A8C3CD-4F21-44A2-B1C3-DC7D2763C844}">
+  <ds:schemaRefs>
+    <ds:schemaRef ds:uri="http://schemas.microsoft.com/sharepoint/v3/contenttype/forms"/>
+  </ds:schemaRefs>
+</ds:datastoreItem>
+</file>
+
+<file path=customXml/itemProps2.xml><?xml version="1.0" encoding="utf-8"?>
 <ds:datastoreItem xmlns:ds="http://schemas.openxmlformats.org/officeDocument/2006/customXml" ds:itemID="{EB855434-36C3-4CB9-915E-4AA099B4B287}">
   <ds:schemaRefs>
     <ds:schemaRef ds:uri="http://schemas.microsoft.com/office/2006/metadata/contentType"/>
@@ -8113,14 +8121,6 @@
     <ds:schemaRef ds:uri="http://purl.org/dc/elements/1.1/"/>
     <ds:schemaRef ds:uri="http://purl.org/dc/terms/"/>
     <ds:schemaRef ds:uri="http://schemas.microsoft.com/internal/obd"/>
-  </ds:schemaRefs>
-</ds:datastoreItem>
-</file>
-
-<file path=customXml/itemProps2.xml><?xml version="1.0" encoding="utf-8"?>
-<ds:datastoreItem xmlns:ds="http://schemas.openxmlformats.org/officeDocument/2006/customXml" ds:itemID="{08A8C3CD-4F21-44A2-B1C3-DC7D2763C844}">
-  <ds:schemaRefs>
-    <ds:schemaRef ds:uri="http://schemas.microsoft.com/sharepoint/v3/contenttype/forms"/>
   </ds:schemaRefs>
 </ds:datastoreItem>
 </file>
